--- a/Home work.pptx
+++ b/Home work.pptx
@@ -5,10 +5,10 @@
     <p:sldMasterId id="2147483648" r:id="rId4"/>
   </p:sldMasterIdLst>
   <p:notesMasterIdLst>
-    <p:notesMasterId r:id="rId19"/>
+    <p:notesMasterId r:id="rId25"/>
   </p:notesMasterIdLst>
   <p:handoutMasterIdLst>
-    <p:handoutMasterId r:id="rId20"/>
+    <p:handoutMasterId r:id="rId26"/>
   </p:handoutMasterIdLst>
   <p:sldIdLst>
     <p:sldId id="256" r:id="rId5"/>
@@ -18,13 +18,19 @@
     <p:sldId id="351" r:id="rId9"/>
     <p:sldId id="352" r:id="rId10"/>
     <p:sldId id="353" r:id="rId11"/>
-    <p:sldId id="354" r:id="rId12"/>
-    <p:sldId id="357" r:id="rId13"/>
-    <p:sldId id="355" r:id="rId14"/>
-    <p:sldId id="356" r:id="rId15"/>
-    <p:sldId id="358" r:id="rId16"/>
-    <p:sldId id="282" r:id="rId17"/>
-    <p:sldId id="349" r:id="rId18"/>
+    <p:sldId id="359" r:id="rId12"/>
+    <p:sldId id="360" r:id="rId13"/>
+    <p:sldId id="357" r:id="rId14"/>
+    <p:sldId id="361" r:id="rId15"/>
+    <p:sldId id="362" r:id="rId16"/>
+    <p:sldId id="363" r:id="rId17"/>
+    <p:sldId id="364" r:id="rId18"/>
+    <p:sldId id="365" r:id="rId19"/>
+    <p:sldId id="366" r:id="rId20"/>
+    <p:sldId id="367" r:id="rId21"/>
+    <p:sldId id="368" r:id="rId22"/>
+    <p:sldId id="369" r:id="rId23"/>
+    <p:sldId id="282" r:id="rId24"/>
   </p:sldIdLst>
   <p:sldSz cx="12192000" cy="6858000"/>
   <p:notesSz cx="6797675" cy="9872663"/>
@@ -269,7 +275,7 @@
           <a:p>
             <a:fld id="{384266DF-7150-4860-AC0A-B99D436C8C22}" type="datetimeFigureOut">
               <a:rPr lang="ru-RU" smtClean="0"/>
-              <a:t>05.03.2019</a:t>
+              <a:t>12.03.2019</a:t>
             </a:fld>
             <a:endParaRPr lang="ru-RU"/>
           </a:p>
@@ -435,7 +441,7 @@
           <a:p>
             <a:fld id="{A8AA0BDA-687D-42F8-92A5-D4A5D5177E2B}" type="datetimeFigureOut">
               <a:rPr lang="ru-RU" smtClean="0"/>
-              <a:t>05.03.2019</a:t>
+              <a:t>12.03.2019</a:t>
             </a:fld>
             <a:endParaRPr lang="ru-RU"/>
           </a:p>
@@ -866,7 +872,7 @@
     </p:spTree>
     <p:extLst>
       <p:ext uri="{BB962C8B-B14F-4D97-AF65-F5344CB8AC3E}">
-        <p14:creationId xmlns:p14="http://schemas.microsoft.com/office/powerpoint/2010/main" val="3923057067"/>
+        <p14:creationId xmlns:p14="http://schemas.microsoft.com/office/powerpoint/2010/main" val="3382462974"/>
       </p:ext>
     </p:extLst>
   </p:cSld>
@@ -955,7 +961,7 @@
     </p:spTree>
     <p:extLst>
       <p:ext uri="{BB962C8B-B14F-4D97-AF65-F5344CB8AC3E}">
-        <p14:creationId xmlns:p14="http://schemas.microsoft.com/office/powerpoint/2010/main" val="1925386716"/>
+        <p14:creationId xmlns:p14="http://schemas.microsoft.com/office/powerpoint/2010/main" val="205693719"/>
       </p:ext>
     </p:extLst>
   </p:cSld>
@@ -1044,7 +1050,7 @@
     </p:spTree>
     <p:extLst>
       <p:ext uri="{BB962C8B-B14F-4D97-AF65-F5344CB8AC3E}">
-        <p14:creationId xmlns:p14="http://schemas.microsoft.com/office/powerpoint/2010/main" val="1475037796"/>
+        <p14:creationId xmlns:p14="http://schemas.microsoft.com/office/powerpoint/2010/main" val="1099496332"/>
       </p:ext>
     </p:extLst>
   </p:cSld>
@@ -1073,9 +1079,9 @@
       </p:grpSpPr>
       <p:sp>
         <p:nvSpPr>
-          <p:cNvPr id="34818" name="Rectangle 2"/>
-          <p:cNvSpPr>
-            <a:spLocks noGrp="1" noRot="1" noChangeAspect="1" noChangeArrowheads="1" noTextEdit="1"/>
+          <p:cNvPr id="2" name="Slide Image Placeholder 1"/>
+          <p:cNvSpPr>
+            <a:spLocks noGrp="1" noRot="1" noChangeAspect="1"/>
           </p:cNvSpPr>
           <p:nvPr>
             <p:ph type="sldImg"/>
@@ -1086,55 +1092,588 @@
             <a:off x="107950" y="739775"/>
             <a:ext cx="6581775" cy="3703638"/>
           </a:xfrm>
-          <a:ln/>
         </p:spPr>
       </p:sp>
       <p:sp>
         <p:nvSpPr>
-          <p:cNvPr id="34819" name="Rectangle 3"/>
-          <p:cNvSpPr>
-            <a:spLocks noGrp="1" noChangeArrowheads="1"/>
+          <p:cNvPr id="3" name="Notes Placeholder 2"/>
+          <p:cNvSpPr>
+            <a:spLocks noGrp="1"/>
           </p:cNvSpPr>
           <p:nvPr>
             <p:ph type="body" idx="1"/>
           </p:nvPr>
         </p:nvSpPr>
-        <p:spPr>
-          <a:noFill/>
-          <a:ln/>
-          <a:extLst>
-            <a:ext uri="{909E8E84-426E-40DD-AFC4-6F175D3DCCD1}">
-              <a14:hiddenFill xmlns:a14="http://schemas.microsoft.com/office/drawing/2010/main">
-                <a:solidFill>
-                  <a:srgbClr val="FFFFFF"/>
-                </a:solidFill>
-              </a14:hiddenFill>
-            </a:ext>
-            <a:ext uri="{91240B29-F687-4F45-9708-019B960494DF}">
-              <a14:hiddenLine xmlns:a14="http://schemas.microsoft.com/office/drawing/2010/main" w="9525">
-                <a:solidFill>
-                  <a:srgbClr val="000000"/>
-                </a:solidFill>
-                <a:miter lim="800000"/>
-                <a:headEnd/>
-                <a:tailEnd/>
-              </a14:hiddenLine>
-            </a:ext>
-          </a:extLst>
-        </p:spPr>
+        <p:spPr/>
         <p:txBody>
           <a:bodyPr/>
           <a:lstStyle/>
           <a:p>
-            <a:pPr eaLnBrk="1" hangingPunct="1"/>
             <a:endParaRPr lang="ru-RU" dirty="0"/>
+          </a:p>
+        </p:txBody>
+      </p:sp>
+      <p:sp>
+        <p:nvSpPr>
+          <p:cNvPr id="4" name="Slide Number Placeholder 3"/>
+          <p:cNvSpPr>
+            <a:spLocks noGrp="1"/>
+          </p:cNvSpPr>
+          <p:nvPr>
+            <p:ph type="sldNum" sz="quarter" idx="10"/>
+          </p:nvPr>
+        </p:nvSpPr>
+        <p:spPr/>
+        <p:txBody>
+          <a:bodyPr/>
+          <a:lstStyle/>
+          <a:p>
+            <a:fld id="{8519FF73-C841-4304-9A07-8DD1AE4B7BE5}" type="slidenum">
+              <a:rPr lang="ru-RU" smtClean="0"/>
+              <a:t>13</a:t>
+            </a:fld>
+            <a:endParaRPr lang="ru-RU"/>
           </a:p>
         </p:txBody>
       </p:sp>
     </p:spTree>
     <p:extLst>
       <p:ext uri="{BB962C8B-B14F-4D97-AF65-F5344CB8AC3E}">
-        <p14:creationId xmlns:p14="http://schemas.microsoft.com/office/powerpoint/2010/main" val="2690819557"/>
+        <p14:creationId xmlns:p14="http://schemas.microsoft.com/office/powerpoint/2010/main" val="3861888289"/>
+      </p:ext>
+    </p:extLst>
+  </p:cSld>
+  <p:clrMapOvr>
+    <a:masterClrMapping/>
+  </p:clrMapOvr>
+</p:notes>
+</file>
+
+<file path=ppt/notesSlides/notesSlide14.xml><?xml version="1.0" encoding="utf-8"?>
+<p:notes xmlns:a="http://schemas.openxmlformats.org/drawingml/2006/main" xmlns:r="http://schemas.openxmlformats.org/officeDocument/2006/relationships" xmlns:p="http://schemas.openxmlformats.org/presentationml/2006/main">
+  <p:cSld>
+    <p:spTree>
+      <p:nvGrpSpPr>
+        <p:cNvPr id="1" name=""/>
+        <p:cNvGrpSpPr/>
+        <p:nvPr/>
+      </p:nvGrpSpPr>
+      <p:grpSpPr>
+        <a:xfrm>
+          <a:off x="0" y="0"/>
+          <a:ext cx="0" cy="0"/>
+          <a:chOff x="0" y="0"/>
+          <a:chExt cx="0" cy="0"/>
+        </a:xfrm>
+      </p:grpSpPr>
+      <p:sp>
+        <p:nvSpPr>
+          <p:cNvPr id="2" name="Slide Image Placeholder 1"/>
+          <p:cNvSpPr>
+            <a:spLocks noGrp="1" noRot="1" noChangeAspect="1"/>
+          </p:cNvSpPr>
+          <p:nvPr>
+            <p:ph type="sldImg"/>
+          </p:nvPr>
+        </p:nvSpPr>
+        <p:spPr>
+          <a:xfrm>
+            <a:off x="107950" y="739775"/>
+            <a:ext cx="6581775" cy="3703638"/>
+          </a:xfrm>
+        </p:spPr>
+      </p:sp>
+      <p:sp>
+        <p:nvSpPr>
+          <p:cNvPr id="3" name="Notes Placeholder 2"/>
+          <p:cNvSpPr>
+            <a:spLocks noGrp="1"/>
+          </p:cNvSpPr>
+          <p:nvPr>
+            <p:ph type="body" idx="1"/>
+          </p:nvPr>
+        </p:nvSpPr>
+        <p:spPr/>
+        <p:txBody>
+          <a:bodyPr/>
+          <a:lstStyle/>
+          <a:p>
+            <a:endParaRPr lang="ru-RU" dirty="0"/>
+          </a:p>
+        </p:txBody>
+      </p:sp>
+      <p:sp>
+        <p:nvSpPr>
+          <p:cNvPr id="4" name="Slide Number Placeholder 3"/>
+          <p:cNvSpPr>
+            <a:spLocks noGrp="1"/>
+          </p:cNvSpPr>
+          <p:nvPr>
+            <p:ph type="sldNum" sz="quarter" idx="10"/>
+          </p:nvPr>
+        </p:nvSpPr>
+        <p:spPr/>
+        <p:txBody>
+          <a:bodyPr/>
+          <a:lstStyle/>
+          <a:p>
+            <a:fld id="{8519FF73-C841-4304-9A07-8DD1AE4B7BE5}" type="slidenum">
+              <a:rPr lang="ru-RU" smtClean="0"/>
+              <a:t>14</a:t>
+            </a:fld>
+            <a:endParaRPr lang="ru-RU"/>
+          </a:p>
+        </p:txBody>
+      </p:sp>
+    </p:spTree>
+    <p:extLst>
+      <p:ext uri="{BB962C8B-B14F-4D97-AF65-F5344CB8AC3E}">
+        <p14:creationId xmlns:p14="http://schemas.microsoft.com/office/powerpoint/2010/main" val="1236245600"/>
+      </p:ext>
+    </p:extLst>
+  </p:cSld>
+  <p:clrMapOvr>
+    <a:masterClrMapping/>
+  </p:clrMapOvr>
+</p:notes>
+</file>
+
+<file path=ppt/notesSlides/notesSlide15.xml><?xml version="1.0" encoding="utf-8"?>
+<p:notes xmlns:a="http://schemas.openxmlformats.org/drawingml/2006/main" xmlns:r="http://schemas.openxmlformats.org/officeDocument/2006/relationships" xmlns:p="http://schemas.openxmlformats.org/presentationml/2006/main">
+  <p:cSld>
+    <p:spTree>
+      <p:nvGrpSpPr>
+        <p:cNvPr id="1" name=""/>
+        <p:cNvGrpSpPr/>
+        <p:nvPr/>
+      </p:nvGrpSpPr>
+      <p:grpSpPr>
+        <a:xfrm>
+          <a:off x="0" y="0"/>
+          <a:ext cx="0" cy="0"/>
+          <a:chOff x="0" y="0"/>
+          <a:chExt cx="0" cy="0"/>
+        </a:xfrm>
+      </p:grpSpPr>
+      <p:sp>
+        <p:nvSpPr>
+          <p:cNvPr id="2" name="Slide Image Placeholder 1"/>
+          <p:cNvSpPr>
+            <a:spLocks noGrp="1" noRot="1" noChangeAspect="1"/>
+          </p:cNvSpPr>
+          <p:nvPr>
+            <p:ph type="sldImg"/>
+          </p:nvPr>
+        </p:nvSpPr>
+        <p:spPr>
+          <a:xfrm>
+            <a:off x="107950" y="739775"/>
+            <a:ext cx="6581775" cy="3703638"/>
+          </a:xfrm>
+        </p:spPr>
+      </p:sp>
+      <p:sp>
+        <p:nvSpPr>
+          <p:cNvPr id="3" name="Notes Placeholder 2"/>
+          <p:cNvSpPr>
+            <a:spLocks noGrp="1"/>
+          </p:cNvSpPr>
+          <p:nvPr>
+            <p:ph type="body" idx="1"/>
+          </p:nvPr>
+        </p:nvSpPr>
+        <p:spPr/>
+        <p:txBody>
+          <a:bodyPr/>
+          <a:lstStyle/>
+          <a:p>
+            <a:endParaRPr lang="ru-RU" dirty="0"/>
+          </a:p>
+        </p:txBody>
+      </p:sp>
+      <p:sp>
+        <p:nvSpPr>
+          <p:cNvPr id="4" name="Slide Number Placeholder 3"/>
+          <p:cNvSpPr>
+            <a:spLocks noGrp="1"/>
+          </p:cNvSpPr>
+          <p:nvPr>
+            <p:ph type="sldNum" sz="quarter" idx="10"/>
+          </p:nvPr>
+        </p:nvSpPr>
+        <p:spPr/>
+        <p:txBody>
+          <a:bodyPr/>
+          <a:lstStyle/>
+          <a:p>
+            <a:fld id="{8519FF73-C841-4304-9A07-8DD1AE4B7BE5}" type="slidenum">
+              <a:rPr lang="ru-RU" smtClean="0"/>
+              <a:t>15</a:t>
+            </a:fld>
+            <a:endParaRPr lang="ru-RU"/>
+          </a:p>
+        </p:txBody>
+      </p:sp>
+    </p:spTree>
+    <p:extLst>
+      <p:ext uri="{BB962C8B-B14F-4D97-AF65-F5344CB8AC3E}">
+        <p14:creationId xmlns:p14="http://schemas.microsoft.com/office/powerpoint/2010/main" val="3611055001"/>
+      </p:ext>
+    </p:extLst>
+  </p:cSld>
+  <p:clrMapOvr>
+    <a:masterClrMapping/>
+  </p:clrMapOvr>
+</p:notes>
+</file>
+
+<file path=ppt/notesSlides/notesSlide16.xml><?xml version="1.0" encoding="utf-8"?>
+<p:notes xmlns:a="http://schemas.openxmlformats.org/drawingml/2006/main" xmlns:r="http://schemas.openxmlformats.org/officeDocument/2006/relationships" xmlns:p="http://schemas.openxmlformats.org/presentationml/2006/main">
+  <p:cSld>
+    <p:spTree>
+      <p:nvGrpSpPr>
+        <p:cNvPr id="1" name=""/>
+        <p:cNvGrpSpPr/>
+        <p:nvPr/>
+      </p:nvGrpSpPr>
+      <p:grpSpPr>
+        <a:xfrm>
+          <a:off x="0" y="0"/>
+          <a:ext cx="0" cy="0"/>
+          <a:chOff x="0" y="0"/>
+          <a:chExt cx="0" cy="0"/>
+        </a:xfrm>
+      </p:grpSpPr>
+      <p:sp>
+        <p:nvSpPr>
+          <p:cNvPr id="2" name="Slide Image Placeholder 1"/>
+          <p:cNvSpPr>
+            <a:spLocks noGrp="1" noRot="1" noChangeAspect="1"/>
+          </p:cNvSpPr>
+          <p:nvPr>
+            <p:ph type="sldImg"/>
+          </p:nvPr>
+        </p:nvSpPr>
+        <p:spPr>
+          <a:xfrm>
+            <a:off x="107950" y="739775"/>
+            <a:ext cx="6581775" cy="3703638"/>
+          </a:xfrm>
+        </p:spPr>
+      </p:sp>
+      <p:sp>
+        <p:nvSpPr>
+          <p:cNvPr id="3" name="Notes Placeholder 2"/>
+          <p:cNvSpPr>
+            <a:spLocks noGrp="1"/>
+          </p:cNvSpPr>
+          <p:nvPr>
+            <p:ph type="body" idx="1"/>
+          </p:nvPr>
+        </p:nvSpPr>
+        <p:spPr/>
+        <p:txBody>
+          <a:bodyPr/>
+          <a:lstStyle/>
+          <a:p>
+            <a:endParaRPr lang="ru-RU" dirty="0"/>
+          </a:p>
+        </p:txBody>
+      </p:sp>
+      <p:sp>
+        <p:nvSpPr>
+          <p:cNvPr id="4" name="Slide Number Placeholder 3"/>
+          <p:cNvSpPr>
+            <a:spLocks noGrp="1"/>
+          </p:cNvSpPr>
+          <p:nvPr>
+            <p:ph type="sldNum" sz="quarter" idx="10"/>
+          </p:nvPr>
+        </p:nvSpPr>
+        <p:spPr/>
+        <p:txBody>
+          <a:bodyPr/>
+          <a:lstStyle/>
+          <a:p>
+            <a:fld id="{8519FF73-C841-4304-9A07-8DD1AE4B7BE5}" type="slidenum">
+              <a:rPr lang="ru-RU" smtClean="0"/>
+              <a:t>16</a:t>
+            </a:fld>
+            <a:endParaRPr lang="ru-RU"/>
+          </a:p>
+        </p:txBody>
+      </p:sp>
+    </p:spTree>
+    <p:extLst>
+      <p:ext uri="{BB962C8B-B14F-4D97-AF65-F5344CB8AC3E}">
+        <p14:creationId xmlns:p14="http://schemas.microsoft.com/office/powerpoint/2010/main" val="1338343272"/>
+      </p:ext>
+    </p:extLst>
+  </p:cSld>
+  <p:clrMapOvr>
+    <a:masterClrMapping/>
+  </p:clrMapOvr>
+</p:notes>
+</file>
+
+<file path=ppt/notesSlides/notesSlide17.xml><?xml version="1.0" encoding="utf-8"?>
+<p:notes xmlns:a="http://schemas.openxmlformats.org/drawingml/2006/main" xmlns:r="http://schemas.openxmlformats.org/officeDocument/2006/relationships" xmlns:p="http://schemas.openxmlformats.org/presentationml/2006/main">
+  <p:cSld>
+    <p:spTree>
+      <p:nvGrpSpPr>
+        <p:cNvPr id="1" name=""/>
+        <p:cNvGrpSpPr/>
+        <p:nvPr/>
+      </p:nvGrpSpPr>
+      <p:grpSpPr>
+        <a:xfrm>
+          <a:off x="0" y="0"/>
+          <a:ext cx="0" cy="0"/>
+          <a:chOff x="0" y="0"/>
+          <a:chExt cx="0" cy="0"/>
+        </a:xfrm>
+      </p:grpSpPr>
+      <p:sp>
+        <p:nvSpPr>
+          <p:cNvPr id="2" name="Slide Image Placeholder 1"/>
+          <p:cNvSpPr>
+            <a:spLocks noGrp="1" noRot="1" noChangeAspect="1"/>
+          </p:cNvSpPr>
+          <p:nvPr>
+            <p:ph type="sldImg"/>
+          </p:nvPr>
+        </p:nvSpPr>
+        <p:spPr>
+          <a:xfrm>
+            <a:off x="107950" y="739775"/>
+            <a:ext cx="6581775" cy="3703638"/>
+          </a:xfrm>
+        </p:spPr>
+      </p:sp>
+      <p:sp>
+        <p:nvSpPr>
+          <p:cNvPr id="3" name="Notes Placeholder 2"/>
+          <p:cNvSpPr>
+            <a:spLocks noGrp="1"/>
+          </p:cNvSpPr>
+          <p:nvPr>
+            <p:ph type="body" idx="1"/>
+          </p:nvPr>
+        </p:nvSpPr>
+        <p:spPr/>
+        <p:txBody>
+          <a:bodyPr/>
+          <a:lstStyle/>
+          <a:p>
+            <a:endParaRPr lang="ru-RU" dirty="0"/>
+          </a:p>
+        </p:txBody>
+      </p:sp>
+      <p:sp>
+        <p:nvSpPr>
+          <p:cNvPr id="4" name="Slide Number Placeholder 3"/>
+          <p:cNvSpPr>
+            <a:spLocks noGrp="1"/>
+          </p:cNvSpPr>
+          <p:nvPr>
+            <p:ph type="sldNum" sz="quarter" idx="10"/>
+          </p:nvPr>
+        </p:nvSpPr>
+        <p:spPr/>
+        <p:txBody>
+          <a:bodyPr/>
+          <a:lstStyle/>
+          <a:p>
+            <a:fld id="{8519FF73-C841-4304-9A07-8DD1AE4B7BE5}" type="slidenum">
+              <a:rPr lang="ru-RU" smtClean="0"/>
+              <a:t>17</a:t>
+            </a:fld>
+            <a:endParaRPr lang="ru-RU"/>
+          </a:p>
+        </p:txBody>
+      </p:sp>
+    </p:spTree>
+    <p:extLst>
+      <p:ext uri="{BB962C8B-B14F-4D97-AF65-F5344CB8AC3E}">
+        <p14:creationId xmlns:p14="http://schemas.microsoft.com/office/powerpoint/2010/main" val="1602921933"/>
+      </p:ext>
+    </p:extLst>
+  </p:cSld>
+  <p:clrMapOvr>
+    <a:masterClrMapping/>
+  </p:clrMapOvr>
+</p:notes>
+</file>
+
+<file path=ppt/notesSlides/notesSlide18.xml><?xml version="1.0" encoding="utf-8"?>
+<p:notes xmlns:a="http://schemas.openxmlformats.org/drawingml/2006/main" xmlns:r="http://schemas.openxmlformats.org/officeDocument/2006/relationships" xmlns:p="http://schemas.openxmlformats.org/presentationml/2006/main">
+  <p:cSld>
+    <p:spTree>
+      <p:nvGrpSpPr>
+        <p:cNvPr id="1" name=""/>
+        <p:cNvGrpSpPr/>
+        <p:nvPr/>
+      </p:nvGrpSpPr>
+      <p:grpSpPr>
+        <a:xfrm>
+          <a:off x="0" y="0"/>
+          <a:ext cx="0" cy="0"/>
+          <a:chOff x="0" y="0"/>
+          <a:chExt cx="0" cy="0"/>
+        </a:xfrm>
+      </p:grpSpPr>
+      <p:sp>
+        <p:nvSpPr>
+          <p:cNvPr id="2" name="Slide Image Placeholder 1"/>
+          <p:cNvSpPr>
+            <a:spLocks noGrp="1" noRot="1" noChangeAspect="1"/>
+          </p:cNvSpPr>
+          <p:nvPr>
+            <p:ph type="sldImg"/>
+          </p:nvPr>
+        </p:nvSpPr>
+        <p:spPr>
+          <a:xfrm>
+            <a:off x="107950" y="739775"/>
+            <a:ext cx="6581775" cy="3703638"/>
+          </a:xfrm>
+        </p:spPr>
+      </p:sp>
+      <p:sp>
+        <p:nvSpPr>
+          <p:cNvPr id="3" name="Notes Placeholder 2"/>
+          <p:cNvSpPr>
+            <a:spLocks noGrp="1"/>
+          </p:cNvSpPr>
+          <p:nvPr>
+            <p:ph type="body" idx="1"/>
+          </p:nvPr>
+        </p:nvSpPr>
+        <p:spPr/>
+        <p:txBody>
+          <a:bodyPr/>
+          <a:lstStyle/>
+          <a:p>
+            <a:endParaRPr lang="ru-RU" dirty="0"/>
+          </a:p>
+        </p:txBody>
+      </p:sp>
+      <p:sp>
+        <p:nvSpPr>
+          <p:cNvPr id="4" name="Slide Number Placeholder 3"/>
+          <p:cNvSpPr>
+            <a:spLocks noGrp="1"/>
+          </p:cNvSpPr>
+          <p:nvPr>
+            <p:ph type="sldNum" sz="quarter" idx="10"/>
+          </p:nvPr>
+        </p:nvSpPr>
+        <p:spPr/>
+        <p:txBody>
+          <a:bodyPr/>
+          <a:lstStyle/>
+          <a:p>
+            <a:fld id="{8519FF73-C841-4304-9A07-8DD1AE4B7BE5}" type="slidenum">
+              <a:rPr lang="ru-RU" smtClean="0"/>
+              <a:t>18</a:t>
+            </a:fld>
+            <a:endParaRPr lang="ru-RU"/>
+          </a:p>
+        </p:txBody>
+      </p:sp>
+    </p:spTree>
+    <p:extLst>
+      <p:ext uri="{BB962C8B-B14F-4D97-AF65-F5344CB8AC3E}">
+        <p14:creationId xmlns:p14="http://schemas.microsoft.com/office/powerpoint/2010/main" val="2570652495"/>
+      </p:ext>
+    </p:extLst>
+  </p:cSld>
+  <p:clrMapOvr>
+    <a:masterClrMapping/>
+  </p:clrMapOvr>
+</p:notes>
+</file>
+
+<file path=ppt/notesSlides/notesSlide19.xml><?xml version="1.0" encoding="utf-8"?>
+<p:notes xmlns:a="http://schemas.openxmlformats.org/drawingml/2006/main" xmlns:r="http://schemas.openxmlformats.org/officeDocument/2006/relationships" xmlns:p="http://schemas.openxmlformats.org/presentationml/2006/main">
+  <p:cSld>
+    <p:spTree>
+      <p:nvGrpSpPr>
+        <p:cNvPr id="1" name=""/>
+        <p:cNvGrpSpPr/>
+        <p:nvPr/>
+      </p:nvGrpSpPr>
+      <p:grpSpPr>
+        <a:xfrm>
+          <a:off x="0" y="0"/>
+          <a:ext cx="0" cy="0"/>
+          <a:chOff x="0" y="0"/>
+          <a:chExt cx="0" cy="0"/>
+        </a:xfrm>
+      </p:grpSpPr>
+      <p:sp>
+        <p:nvSpPr>
+          <p:cNvPr id="2" name="Slide Image Placeholder 1"/>
+          <p:cNvSpPr>
+            <a:spLocks noGrp="1" noRot="1" noChangeAspect="1"/>
+          </p:cNvSpPr>
+          <p:nvPr>
+            <p:ph type="sldImg"/>
+          </p:nvPr>
+        </p:nvSpPr>
+        <p:spPr>
+          <a:xfrm>
+            <a:off x="107950" y="739775"/>
+            <a:ext cx="6581775" cy="3703638"/>
+          </a:xfrm>
+        </p:spPr>
+      </p:sp>
+      <p:sp>
+        <p:nvSpPr>
+          <p:cNvPr id="3" name="Notes Placeholder 2"/>
+          <p:cNvSpPr>
+            <a:spLocks noGrp="1"/>
+          </p:cNvSpPr>
+          <p:nvPr>
+            <p:ph type="body" idx="1"/>
+          </p:nvPr>
+        </p:nvSpPr>
+        <p:spPr/>
+        <p:txBody>
+          <a:bodyPr/>
+          <a:lstStyle/>
+          <a:p>
+            <a:endParaRPr lang="ru-RU" dirty="0"/>
+          </a:p>
+        </p:txBody>
+      </p:sp>
+      <p:sp>
+        <p:nvSpPr>
+          <p:cNvPr id="4" name="Slide Number Placeholder 3"/>
+          <p:cNvSpPr>
+            <a:spLocks noGrp="1"/>
+          </p:cNvSpPr>
+          <p:nvPr>
+            <p:ph type="sldNum" sz="quarter" idx="10"/>
+          </p:nvPr>
+        </p:nvSpPr>
+        <p:spPr/>
+        <p:txBody>
+          <a:bodyPr/>
+          <a:lstStyle/>
+          <a:p>
+            <a:fld id="{8519FF73-C841-4304-9A07-8DD1AE4B7BE5}" type="slidenum">
+              <a:rPr lang="ru-RU" smtClean="0"/>
+              <a:t>19</a:t>
+            </a:fld>
+            <a:endParaRPr lang="ru-RU"/>
+          </a:p>
+        </p:txBody>
+      </p:sp>
+    </p:spTree>
+    <p:extLst>
+      <p:ext uri="{BB962C8B-B14F-4D97-AF65-F5344CB8AC3E}">
+        <p14:creationId xmlns:p14="http://schemas.microsoft.com/office/powerpoint/2010/main" val="2128248482"/>
       </p:ext>
     </p:extLst>
   </p:cSld>
@@ -1342,6 +1881,96 @@
     <p:extLst>
       <p:ext uri="{BB962C8B-B14F-4D97-AF65-F5344CB8AC3E}">
         <p14:creationId xmlns:p14="http://schemas.microsoft.com/office/powerpoint/2010/main" val="45130308"/>
+      </p:ext>
+    </p:extLst>
+  </p:cSld>
+  <p:clrMapOvr>
+    <a:masterClrMapping/>
+  </p:clrMapOvr>
+</p:notes>
+</file>
+
+<file path=ppt/notesSlides/notesSlide20.xml><?xml version="1.0" encoding="utf-8"?>
+<p:notes xmlns:a="http://schemas.openxmlformats.org/drawingml/2006/main" xmlns:r="http://schemas.openxmlformats.org/officeDocument/2006/relationships" xmlns:p="http://schemas.openxmlformats.org/presentationml/2006/main">
+  <p:cSld>
+    <p:spTree>
+      <p:nvGrpSpPr>
+        <p:cNvPr id="1" name=""/>
+        <p:cNvGrpSpPr/>
+        <p:nvPr/>
+      </p:nvGrpSpPr>
+      <p:grpSpPr>
+        <a:xfrm>
+          <a:off x="0" y="0"/>
+          <a:ext cx="0" cy="0"/>
+          <a:chOff x="0" y="0"/>
+          <a:chExt cx="0" cy="0"/>
+        </a:xfrm>
+      </p:grpSpPr>
+      <p:sp>
+        <p:nvSpPr>
+          <p:cNvPr id="34818" name="Rectangle 2"/>
+          <p:cNvSpPr>
+            <a:spLocks noGrp="1" noRot="1" noChangeAspect="1" noChangeArrowheads="1" noTextEdit="1"/>
+          </p:cNvSpPr>
+          <p:nvPr>
+            <p:ph type="sldImg"/>
+          </p:nvPr>
+        </p:nvSpPr>
+        <p:spPr>
+          <a:xfrm>
+            <a:off x="107950" y="739775"/>
+            <a:ext cx="6581775" cy="3703638"/>
+          </a:xfrm>
+          <a:ln/>
+        </p:spPr>
+      </p:sp>
+      <p:sp>
+        <p:nvSpPr>
+          <p:cNvPr id="34819" name="Rectangle 3"/>
+          <p:cNvSpPr>
+            <a:spLocks noGrp="1" noChangeArrowheads="1"/>
+          </p:cNvSpPr>
+          <p:nvPr>
+            <p:ph type="body" idx="1"/>
+          </p:nvPr>
+        </p:nvSpPr>
+        <p:spPr>
+          <a:noFill/>
+          <a:ln/>
+          <a:extLst>
+            <a:ext uri="{909E8E84-426E-40DD-AFC4-6F175D3DCCD1}">
+              <a14:hiddenFill xmlns:a14="http://schemas.microsoft.com/office/drawing/2010/main">
+                <a:solidFill>
+                  <a:srgbClr val="FFFFFF"/>
+                </a:solidFill>
+              </a14:hiddenFill>
+            </a:ext>
+            <a:ext uri="{91240B29-F687-4F45-9708-019B960494DF}">
+              <a14:hiddenLine xmlns:a14="http://schemas.microsoft.com/office/drawing/2010/main" w="9525">
+                <a:solidFill>
+                  <a:srgbClr val="000000"/>
+                </a:solidFill>
+                <a:miter lim="800000"/>
+                <a:headEnd/>
+                <a:tailEnd/>
+              </a14:hiddenLine>
+            </a:ext>
+          </a:extLst>
+        </p:spPr>
+        <p:txBody>
+          <a:bodyPr/>
+          <a:lstStyle/>
+          <a:p>
+            <a:pPr eaLnBrk="1" hangingPunct="1"/>
+            <a:endParaRPr lang="ru-RU" dirty="0"/>
+          </a:p>
+        </p:txBody>
+      </p:sp>
+    </p:spTree>
+    <p:extLst>
+      <p:ext uri="{BB962C8B-B14F-4D97-AF65-F5344CB8AC3E}">
+        <p14:creationId xmlns:p14="http://schemas.microsoft.com/office/powerpoint/2010/main" val="2690819557"/>
       </p:ext>
     </p:extLst>
   </p:cSld>
@@ -1875,7 +2504,7 @@
     </p:spTree>
     <p:extLst>
       <p:ext uri="{BB962C8B-B14F-4D97-AF65-F5344CB8AC3E}">
-        <p14:creationId xmlns:p14="http://schemas.microsoft.com/office/powerpoint/2010/main" val="410604454"/>
+        <p14:creationId xmlns:p14="http://schemas.microsoft.com/office/powerpoint/2010/main" val="3978135556"/>
       </p:ext>
     </p:extLst>
   </p:cSld>
@@ -1964,7 +2593,7 @@
     </p:spTree>
     <p:extLst>
       <p:ext uri="{BB962C8B-B14F-4D97-AF65-F5344CB8AC3E}">
-        <p14:creationId xmlns:p14="http://schemas.microsoft.com/office/powerpoint/2010/main" val="3382462974"/>
+        <p14:creationId xmlns:p14="http://schemas.microsoft.com/office/powerpoint/2010/main" val="4287866288"/>
       </p:ext>
     </p:extLst>
   </p:cSld>
@@ -5465,6 +6094,14 @@
   <p:clrMapOvr>
     <a:masterClrMapping/>
   </p:clrMapOvr>
+  <mc:AlternateContent xmlns:mc="http://schemas.openxmlformats.org/markup-compatibility/2006" xmlns:p14="http://schemas.microsoft.com/office/powerpoint/2010/main">
+    <mc:Choice Requires="p14">
+      <p:transition spd="slow" p14:dur="2000" advTm="5067"/>
+    </mc:Choice>
+    <mc:Fallback xmlns="">
+      <p:transition spd="slow" advTm="5067"/>
+    </mc:Fallback>
+  </mc:AlternateContent>
 </p:sld>
 </file>
 
@@ -5529,7 +6166,7 @@
         <p:spPr>
           <a:xfrm>
             <a:off x="479377" y="1052736"/>
-            <a:ext cx="4608512" cy="1015663"/>
+            <a:ext cx="4608512" cy="3477875"/>
           </a:xfrm>
           <a:prstGeom prst="rect">
             <a:avLst/>
@@ -5547,8 +6184,42 @@
                   <a:srgbClr val="911010"/>
                 </a:solidFill>
               </a:rPr>
-              <a:t>Как видите, не пройден один из тестов.</a:t>
-            </a:r>
+              <a:t>Н</a:t>
+            </a:r>
+            <a:r>
+              <a:rPr lang="ru-RU" sz="2000" dirty="0"/>
+              <a:t>у  что же. Похоже, что всё пошло по наклонной, именно здесь.</a:t>
+            </a:r>
+            <a:br>
+              <a:rPr lang="ru-RU" sz="2000" dirty="0"/>
+            </a:br>
+            <a:r>
+              <a:rPr lang="ru-RU" sz="2000" dirty="0"/>
+              <a:t>Это видно из вывода. Последняя строка говорит, что тестирование завершилось с ошибкой.  Предпоследняя строка, говорит нам, что это произошло во время теста </a:t>
+            </a:r>
+            <a:r>
+              <a:rPr lang="en-US" sz="2000" dirty="0"/>
+              <a:t>API</a:t>
+            </a:r>
+            <a:r>
+              <a:rPr lang="ru-RU" sz="2000" dirty="0"/>
+              <a:t>. (Что бы это </a:t>
+            </a:r>
+            <a:r>
+              <a:rPr lang="en-US" sz="2000" dirty="0"/>
+              <a:t>API</a:t>
+            </a:r>
+            <a:r>
+              <a:rPr lang="ru-RU" sz="2000" dirty="0"/>
+              <a:t> не значило)</a:t>
+            </a:r>
+          </a:p>
+          <a:p>
+            <a:endParaRPr lang="ru-RU" sz="2000" dirty="0">
+              <a:solidFill>
+                <a:srgbClr val="911010"/>
+              </a:solidFill>
+            </a:endParaRPr>
           </a:p>
           <a:p>
             <a:r>
@@ -5557,33 +6228,26 @@
                   <a:srgbClr val="911010"/>
                 </a:solidFill>
               </a:rPr>
-              <a:t>Посмотрим глубже и перейдём к  «</a:t>
-            </a:r>
-            <a:r>
-              <a:rPr lang="en-US" sz="2000" dirty="0">
-                <a:solidFill>
-                  <a:srgbClr val="911010"/>
-                </a:solidFill>
-              </a:rPr>
-              <a:t>Commit</a:t>
-            </a:r>
-            <a:r>
-              <a:rPr lang="ru-RU" sz="2000" dirty="0">
-                <a:solidFill>
-                  <a:srgbClr val="911010"/>
-                </a:solidFill>
-              </a:rPr>
-              <a:t>» </a:t>
-            </a:r>
+              <a:t>Д</a:t>
+            </a:r>
+            <a:r>
+              <a:rPr lang="ru-RU" sz="2000" dirty="0"/>
+              <a:t>авайте посмотрим, как выглядит успешный тест в предыдущей сборке.</a:t>
+            </a:r>
+            <a:endParaRPr lang="ru-RU" sz="2000" dirty="0">
+              <a:solidFill>
+                <a:srgbClr val="911010"/>
+              </a:solidFill>
+            </a:endParaRPr>
           </a:p>
         </p:txBody>
       </p:sp>
       <p:pic>
         <p:nvPicPr>
-          <p:cNvPr id="4" name="Picture 3">
+          <p:cNvPr id="2" name="Picture 1">
             <a:extLst>
               <a:ext uri="{FF2B5EF4-FFF2-40B4-BE49-F238E27FC236}">
-                <a16:creationId xmlns:a16="http://schemas.microsoft.com/office/drawing/2014/main" id="{5F16690E-3AE1-4E0E-841F-4150D25B6150}"/>
+                <a16:creationId xmlns:a16="http://schemas.microsoft.com/office/drawing/2014/main" id="{87CD10A0-8DB7-43F1-8CA0-0526A5CECE67}"/>
               </a:ext>
             </a:extLst>
           </p:cNvPr>
@@ -5600,8 +6264,8 @@
         </p:blipFill>
         <p:spPr>
           <a:xfrm>
-            <a:off x="5460826" y="404664"/>
-            <a:ext cx="6251797" cy="5268652"/>
+            <a:off x="5087889" y="471587"/>
+            <a:ext cx="6589141" cy="5122635"/>
           </a:xfrm>
           <a:prstGeom prst="rect">
             <a:avLst/>
@@ -5611,7 +6275,7 @@
     </p:spTree>
     <p:extLst>
       <p:ext uri="{BB962C8B-B14F-4D97-AF65-F5344CB8AC3E}">
-        <p14:creationId xmlns:p14="http://schemas.microsoft.com/office/powerpoint/2010/main" val="120813512"/>
+        <p14:creationId xmlns:p14="http://schemas.microsoft.com/office/powerpoint/2010/main" val="2589377669"/>
       </p:ext>
     </p:extLst>
   </p:cSld>
@@ -5681,8 +6345,8 @@
         </p:nvSpPr>
         <p:spPr>
           <a:xfrm>
-            <a:off x="479377" y="1052736"/>
-            <a:ext cx="4608512" cy="2862322"/>
+            <a:off x="1001271" y="1009696"/>
+            <a:ext cx="10009111" cy="707886"/>
           </a:xfrm>
           <a:prstGeom prst="rect">
             <a:avLst/>
@@ -5700,7 +6364,43 @@
                   <a:srgbClr val="911010"/>
                 </a:solidFill>
               </a:rPr>
-              <a:t>Увидим код. И изменения в сравнении с прошлой версии этого же кода.</a:t>
+              <a:t>П</a:t>
+            </a:r>
+            <a:r>
+              <a:rPr lang="ru-RU" sz="2000" dirty="0"/>
+              <a:t>ерейдите опять в «</a:t>
+            </a:r>
+            <a:r>
+              <a:rPr lang="en-US" sz="2000" dirty="0"/>
+              <a:t>Pipelines</a:t>
+            </a:r>
+            <a:r>
+              <a:rPr lang="ru-RU" sz="2000" dirty="0"/>
+              <a:t>»</a:t>
+            </a:r>
+            <a:r>
+              <a:rPr lang="en-US" sz="2000" dirty="0"/>
+              <a:t> </a:t>
+            </a:r>
+            <a:r>
+              <a:rPr lang="ru-RU" sz="2000" dirty="0"/>
+              <a:t>и выберите в сборку </a:t>
+            </a:r>
+            <a:r>
+              <a:rPr lang="en-US" sz="2000" dirty="0"/>
+              <a:t>#</a:t>
+            </a:r>
+            <a:r>
+              <a:rPr lang="ru-RU" sz="2000" dirty="0"/>
+              <a:t>142. Этап «</a:t>
+            </a:r>
+            <a:r>
+              <a:rPr lang="en-US" sz="2000" dirty="0"/>
+              <a:t>test</a:t>
+            </a:r>
+            <a:r>
+              <a:rPr lang="ru-RU" sz="2000" dirty="0"/>
+              <a:t>».</a:t>
             </a:r>
           </a:p>
           <a:p>
@@ -5710,26 +6410,6 @@
               </a:solidFill>
             </a:endParaRPr>
           </a:p>
-          <a:p>
-            <a:r>
-              <a:rPr lang="ru-RU" sz="2000" dirty="0">
-                <a:solidFill>
-                  <a:srgbClr val="911010"/>
-                </a:solidFill>
-              </a:rPr>
-              <a:t>Видно, что поменялось не много. Попробуйте посмотреть внимательно на код и сделать предположение, как данный код мог «сломать тест».</a:t>
-            </a:r>
-          </a:p>
-          <a:p>
-            <a:r>
-              <a:rPr lang="ru-RU" sz="2000" dirty="0">
-                <a:solidFill>
-                  <a:srgbClr val="911010"/>
-                </a:solidFill>
-              </a:rPr>
-              <a:t>Внесите данные предположение в баг-репорт.</a:t>
-            </a:r>
-          </a:p>
         </p:txBody>
       </p:sp>
       <p:pic>
@@ -5737,7 +6417,7 @@
           <p:cNvPr id="4" name="Picture 3">
             <a:extLst>
               <a:ext uri="{FF2B5EF4-FFF2-40B4-BE49-F238E27FC236}">
-                <a16:creationId xmlns:a16="http://schemas.microsoft.com/office/drawing/2014/main" id="{5F16690E-3AE1-4E0E-841F-4150D25B6150}"/>
+                <a16:creationId xmlns:a16="http://schemas.microsoft.com/office/drawing/2014/main" id="{5091E7D7-2F67-45F8-90A8-F4E013B357B4}"/>
               </a:ext>
             </a:extLst>
           </p:cNvPr>
@@ -5754,18 +6434,105 @@
         </p:blipFill>
         <p:spPr>
           <a:xfrm>
-            <a:off x="5460826" y="404664"/>
-            <a:ext cx="6251797" cy="5268652"/>
+            <a:off x="262309" y="1717582"/>
+            <a:ext cx="5706797" cy="4436669"/>
+          </a:xfrm>
+          <a:prstGeom prst="rect">
+            <a:avLst/>
+          </a:prstGeom>
+          <a:ln>
+            <a:noFill/>
+          </a:ln>
+        </p:spPr>
+      </p:pic>
+      <p:pic>
+        <p:nvPicPr>
+          <p:cNvPr id="10" name="Picture 9">
+            <a:extLst>
+              <a:ext uri="{FF2B5EF4-FFF2-40B4-BE49-F238E27FC236}">
+                <a16:creationId xmlns:a16="http://schemas.microsoft.com/office/drawing/2014/main" id="{0301E439-ED3C-4BAC-881A-1B8A3139A74D}"/>
+              </a:ext>
+            </a:extLst>
+          </p:cNvPr>
+          <p:cNvPicPr>
+            <a:picLocks noChangeAspect="1"/>
+          </p:cNvPicPr>
+          <p:nvPr/>
+        </p:nvPicPr>
+        <p:blipFill>
+          <a:blip r:embed="rId4"/>
+          <a:stretch>
+            <a:fillRect/>
+          </a:stretch>
+        </p:blipFill>
+        <p:spPr>
+          <a:xfrm>
+            <a:off x="6186174" y="1682126"/>
+            <a:ext cx="5706797" cy="4436670"/>
           </a:xfrm>
           <a:prstGeom prst="rect">
             <a:avLst/>
           </a:prstGeom>
         </p:spPr>
       </p:pic>
+      <p:sp>
+        <p:nvSpPr>
+          <p:cNvPr id="20" name="Arrow: Right 19">
+            <a:extLst>
+              <a:ext uri="{FF2B5EF4-FFF2-40B4-BE49-F238E27FC236}">
+                <a16:creationId xmlns:a16="http://schemas.microsoft.com/office/drawing/2014/main" id="{79E72833-7AE2-48C3-B40E-FE5414CD2353}"/>
+              </a:ext>
+            </a:extLst>
+          </p:cNvPr>
+          <p:cNvSpPr/>
+          <p:nvPr/>
+        </p:nvSpPr>
+        <p:spPr>
+          <a:xfrm>
+            <a:off x="4240560" y="3657220"/>
+            <a:ext cx="2232248" cy="794948"/>
+          </a:xfrm>
+          <a:prstGeom prst="rightArrow">
+            <a:avLst/>
+          </a:prstGeom>
+          <a:solidFill>
+            <a:schemeClr val="accent2"/>
+          </a:solidFill>
+          <a:ln>
+            <a:solidFill>
+              <a:srgbClr val="FF0000"/>
+            </a:solidFill>
+          </a:ln>
+        </p:spPr>
+        <p:style>
+          <a:lnRef idx="2">
+            <a:schemeClr val="accent1">
+              <a:shade val="50000"/>
+            </a:schemeClr>
+          </a:lnRef>
+          <a:fillRef idx="1">
+            <a:schemeClr val="accent1"/>
+          </a:fillRef>
+          <a:effectRef idx="0">
+            <a:schemeClr val="accent1"/>
+          </a:effectRef>
+          <a:fontRef idx="minor">
+            <a:schemeClr val="lt1"/>
+          </a:fontRef>
+        </p:style>
+        <p:txBody>
+          <a:bodyPr rtlCol="0" anchor="ctr"/>
+          <a:lstStyle/>
+          <a:p>
+            <a:pPr algn="ctr"/>
+            <a:endParaRPr lang="ru-RU"/>
+          </a:p>
+        </p:txBody>
+      </p:sp>
     </p:spTree>
     <p:extLst>
       <p:ext uri="{BB962C8B-B14F-4D97-AF65-F5344CB8AC3E}">
-        <p14:creationId xmlns:p14="http://schemas.microsoft.com/office/powerpoint/2010/main" val="3297224608"/>
+        <p14:creationId xmlns:p14="http://schemas.microsoft.com/office/powerpoint/2010/main" val="3349425145"/>
       </p:ext>
     </p:extLst>
   </p:cSld>
@@ -5835,8 +6602,8 @@
         </p:nvSpPr>
         <p:spPr>
           <a:xfrm>
-            <a:off x="479377" y="1052736"/>
-            <a:ext cx="4608512" cy="1938992"/>
+            <a:off x="454265" y="1052736"/>
+            <a:ext cx="4608512" cy="2862322"/>
           </a:xfrm>
           <a:prstGeom prst="rect">
             <a:avLst/>
@@ -5854,25 +6621,36 @@
                   <a:srgbClr val="911010"/>
                 </a:solidFill>
               </a:rPr>
-              <a:t>Задания со *:</a:t>
-            </a:r>
-          </a:p>
-          <a:p>
+              <a:t>В</a:t>
+            </a:r>
+            <a:r>
+              <a:rPr lang="ru-RU" sz="2000" dirty="0"/>
+              <a:t>ернёмся к «сломанному»</a:t>
+            </a:r>
             <a:r>
               <a:rPr lang="ru-RU" sz="2000" dirty="0">
                 <a:solidFill>
                   <a:srgbClr val="911010"/>
                 </a:solidFill>
               </a:rPr>
-              <a:t>Сделать тоже самое для второго репозитория.</a:t>
-            </a:r>
-          </a:p>
-          <a:p>
-            <a:endParaRPr lang="ru-RU" sz="2000" dirty="0">
-              <a:solidFill>
-                <a:srgbClr val="911010"/>
-              </a:solidFill>
-            </a:endParaRPr>
+              <a:t> </a:t>
+            </a:r>
+            <a:r>
+              <a:rPr lang="ru-RU" sz="2000" dirty="0" err="1"/>
+              <a:t>билду</a:t>
+            </a:r>
+            <a:r>
+              <a:rPr lang="ru-RU" sz="2000" dirty="0"/>
+              <a:t> </a:t>
+            </a:r>
+            <a:r>
+              <a:rPr lang="en-US" sz="2000" dirty="0"/>
+              <a:t>#</a:t>
+            </a:r>
+            <a:r>
+              <a:rPr lang="ru-RU" sz="2000" dirty="0"/>
+              <a:t>143.</a:t>
+            </a:r>
           </a:p>
           <a:p>
             <a:r>
@@ -5881,31 +6659,91 @@
                   <a:srgbClr val="911010"/>
                 </a:solidFill>
               </a:rPr>
-              <a:t>Запросить доступ к проекту. Позапускать </a:t>
-            </a:r>
-            <a:r>
-              <a:rPr lang="ru-RU" sz="2000" dirty="0" err="1">
-                <a:solidFill>
-                  <a:srgbClr val="911010"/>
-                </a:solidFill>
-              </a:rPr>
-              <a:t>билды</a:t>
-            </a:r>
-            <a:r>
-              <a:rPr lang="en-US" sz="2000" dirty="0">
-                <a:solidFill>
-                  <a:srgbClr val="911010"/>
-                </a:solidFill>
-              </a:rPr>
+              <a:t>Р</a:t>
+            </a:r>
+            <a:r>
+              <a:rPr lang="ru-RU" sz="2000" dirty="0"/>
+              <a:t>аз проблема ясна – не работает тест «</a:t>
+            </a:r>
+            <a:r>
+              <a:rPr lang="en-US" sz="2000" dirty="0"/>
+              <a:t>test</a:t>
+            </a:r>
+            <a:r>
+              <a:rPr lang="ru-RU" sz="2000" dirty="0"/>
               <a:t> </a:t>
             </a:r>
+            <a:r>
+              <a:rPr lang="en-US" sz="2000" dirty="0"/>
+              <a:t>API</a:t>
+            </a:r>
+            <a:r>
+              <a:rPr lang="ru-RU" sz="2000" dirty="0"/>
+              <a:t>» давайте заведём «</a:t>
+            </a:r>
+            <a:r>
+              <a:rPr lang="en-US" sz="2000" dirty="0"/>
+              <a:t>issue</a:t>
+            </a:r>
+            <a:r>
+              <a:rPr lang="ru-RU" sz="2000" dirty="0"/>
+              <a:t>»</a:t>
+            </a:r>
+            <a:r>
+              <a:rPr lang="en-US" sz="2000" dirty="0"/>
+              <a:t> </a:t>
+            </a:r>
+            <a:endParaRPr lang="ru-RU" sz="2000" dirty="0"/>
+          </a:p>
+          <a:p>
+            <a:r>
+              <a:rPr lang="ru-RU" sz="2000" dirty="0"/>
+              <a:t>(Лучше открыть форму ввода для «</a:t>
+            </a:r>
+            <a:r>
+              <a:rPr lang="en-US" sz="2000" dirty="0"/>
+              <a:t>issue</a:t>
+            </a:r>
+            <a:r>
+              <a:rPr lang="ru-RU" sz="2000" dirty="0"/>
+              <a:t>» в новой вкладке браузера – нам ещё пригодится.) </a:t>
+            </a:r>
+            <a:br>
+              <a:rPr lang="ru-RU" sz="2000" dirty="0"/>
+            </a:br>
             <a:r>
               <a:rPr lang="ru-RU" sz="2000" dirty="0">
                 <a:solidFill>
                   <a:srgbClr val="911010"/>
                 </a:solidFill>
               </a:rPr>
-              <a:t>посмотреть тестовые среды.</a:t>
+              <a:t>Н</a:t>
+            </a:r>
+            <a:r>
+              <a:rPr lang="ru-RU" sz="2000" dirty="0"/>
+              <a:t>о пока отложим для заполнения.</a:t>
+            </a:r>
+          </a:p>
+          <a:p>
+            <a:r>
+              <a:rPr lang="ru-RU" sz="2000" dirty="0">
+                <a:solidFill>
+                  <a:srgbClr val="911010"/>
+                </a:solidFill>
+              </a:rPr>
+              <a:t>П</a:t>
+            </a:r>
+            <a:r>
+              <a:rPr lang="ru-RU" sz="2000" dirty="0"/>
+              <a:t>ерейдём к коммиту, который сломал </a:t>
+            </a:r>
+            <a:r>
+              <a:rPr lang="ru-RU" sz="2000" dirty="0" err="1"/>
+              <a:t>билд</a:t>
+            </a:r>
+            <a:r>
+              <a:rPr lang="ru-RU" sz="2000" dirty="0"/>
+              <a:t>.</a:t>
             </a:r>
           </a:p>
         </p:txBody>
@@ -5915,7 +6753,7 @@
           <p:cNvPr id="4" name="Picture 3">
             <a:extLst>
               <a:ext uri="{FF2B5EF4-FFF2-40B4-BE49-F238E27FC236}">
-                <a16:creationId xmlns:a16="http://schemas.microsoft.com/office/drawing/2014/main" id="{5F16690E-3AE1-4E0E-841F-4150D25B6150}"/>
+                <a16:creationId xmlns:a16="http://schemas.microsoft.com/office/drawing/2014/main" id="{0EF167C0-7D25-4BD9-A000-D24681A32E45}"/>
               </a:ext>
             </a:extLst>
           </p:cNvPr>
@@ -5932,8 +6770,8 @@
         </p:blipFill>
         <p:spPr>
           <a:xfrm>
-            <a:off x="5460826" y="404664"/>
-            <a:ext cx="6251797" cy="5268652"/>
+            <a:off x="5062777" y="734822"/>
+            <a:ext cx="6930933" cy="5388356"/>
           </a:xfrm>
           <a:prstGeom prst="rect">
             <a:avLst/>
@@ -5943,7 +6781,7 @@
     </p:spTree>
     <p:extLst>
       <p:ext uri="{BB962C8B-B14F-4D97-AF65-F5344CB8AC3E}">
-        <p14:creationId xmlns:p14="http://schemas.microsoft.com/office/powerpoint/2010/main" val="3269453174"/>
+        <p14:creationId xmlns:p14="http://schemas.microsoft.com/office/powerpoint/2010/main" val="3067465074"/>
       </p:ext>
     </p:extLst>
   </p:cSld>
@@ -5972,196 +6810,172 @@
       </p:grpSpPr>
       <p:sp>
         <p:nvSpPr>
-          <p:cNvPr id="22530" name="Заголовок 1"/>
-          <p:cNvSpPr>
-            <a:spLocks noGrp="1"/>
-          </p:cNvSpPr>
-          <p:nvPr>
-            <p:ph type="ctrTitle" idx="4294967295"/>
-          </p:nvPr>
+          <p:cNvPr id="3" name="Slide Number Placeholder 2">
+            <a:extLst>
+              <a:ext uri="{FF2B5EF4-FFF2-40B4-BE49-F238E27FC236}">
+                <a16:creationId xmlns:a16="http://schemas.microsoft.com/office/drawing/2014/main" id="{6321BABD-98A4-4C81-896B-674D1A8BEE76}"/>
+              </a:ext>
+            </a:extLst>
+          </p:cNvPr>
+          <p:cNvSpPr>
+            <a:spLocks noGrp="1"/>
+          </p:cNvSpPr>
+          <p:nvPr>
+            <p:ph type="sldNum" sz="quarter" idx="4"/>
+          </p:nvPr>
+        </p:nvSpPr>
+        <p:spPr/>
+        <p:txBody>
+          <a:bodyPr/>
+          <a:lstStyle/>
+          <a:p>
+            <a:fld id="{804AB9DF-E7AE-468D-8B4C-48ED25F9C89B}" type="slidenum">
+              <a:rPr lang="ru-RU" smtClean="0"/>
+              <a:t>13</a:t>
+            </a:fld>
+            <a:endParaRPr lang="ru-RU"/>
+          </a:p>
+        </p:txBody>
+      </p:sp>
+      <p:sp>
+        <p:nvSpPr>
+          <p:cNvPr id="7" name="Rectangle 5">
+            <a:extLst>
+              <a:ext uri="{FF2B5EF4-FFF2-40B4-BE49-F238E27FC236}">
+                <a16:creationId xmlns:a16="http://schemas.microsoft.com/office/drawing/2014/main" id="{D2A77D05-B381-4811-9D20-C1146A5CD2CF}"/>
+              </a:ext>
+            </a:extLst>
+          </p:cNvPr>
+          <p:cNvSpPr/>
+          <p:nvPr/>
         </p:nvSpPr>
         <p:spPr>
           <a:xfrm>
-            <a:off x="1992314" y="3170424"/>
-            <a:ext cx="8207375" cy="690624"/>
+            <a:off x="454265" y="1052736"/>
+            <a:ext cx="4608512" cy="3170099"/>
           </a:xfrm>
+          <a:prstGeom prst="rect">
+            <a:avLst/>
+          </a:prstGeom>
         </p:spPr>
         <p:txBody>
-          <a:bodyPr>
-            <a:noAutofit/>
+          <a:bodyPr wrap="square">
+            <a:spAutoFit/>
           </a:bodyPr>
           <a:lstStyle/>
           <a:p>
             <a:r>
-              <a:rPr lang="ru-RU" spc="100" dirty="0">
+              <a:rPr lang="ru-RU" sz="2000" dirty="0">
                 <a:solidFill>
-                  <a:srgbClr val="8A0000"/>
+                  <a:srgbClr val="911010"/>
                 </a:solidFill>
-                <a:latin typeface="Segoe UI" panose="020B0502040204020203" pitchFamily="34" charset="0"/>
-                <a:cs typeface="Segoe UI" panose="020B0502040204020203" pitchFamily="34" charset="0"/>
               </a:rPr>
-              <a:t>Спасибо за внимание!</a:t>
-            </a:r>
+              <a:t>В</a:t>
+            </a:r>
+            <a:r>
+              <a:rPr lang="ru-RU" sz="2000" dirty="0"/>
+              <a:t>нимательно смотря файл, видим до боли знакомую надпись «</a:t>
+            </a:r>
+            <a:r>
+              <a:rPr lang="en-US" sz="2000" dirty="0"/>
+              <a:t>Test API</a:t>
+            </a:r>
+            <a:r>
+              <a:rPr lang="ru-RU" sz="2000" dirty="0"/>
+              <a:t>»</a:t>
+            </a:r>
+            <a:r>
+              <a:rPr lang="en-US" sz="2000" dirty="0"/>
+              <a:t> </a:t>
+            </a:r>
+            <a:r>
+              <a:rPr lang="ru-RU" sz="2000" dirty="0"/>
+              <a:t>на строке 33, а следом в строке 34 видим знакомые цифры «8889»</a:t>
+            </a:r>
+          </a:p>
+          <a:p>
+            <a:endParaRPr lang="ru-RU" sz="2000" dirty="0"/>
+          </a:p>
+          <a:p>
+            <a:r>
+              <a:rPr lang="ru-RU" sz="2000" dirty="0">
+                <a:solidFill>
+                  <a:srgbClr val="911010"/>
+                </a:solidFill>
+              </a:rPr>
+              <a:t>П</a:t>
+            </a:r>
+            <a:r>
+              <a:rPr lang="ru-RU" sz="2000" dirty="0"/>
+              <a:t>охоже, что кто-то поменял эти цифры в коде, но забыл в тесте.</a:t>
+            </a:r>
+          </a:p>
+          <a:p>
+            <a:endParaRPr lang="ru-RU" sz="2000" dirty="0"/>
+          </a:p>
+          <a:p>
+            <a:r>
+              <a:rPr lang="ru-RU" sz="2000" dirty="0">
+                <a:solidFill>
+                  <a:srgbClr val="911010"/>
+                </a:solidFill>
+              </a:rPr>
+              <a:t>Ч</a:t>
+            </a:r>
+            <a:r>
+              <a:rPr lang="ru-RU" sz="2000" dirty="0"/>
+              <a:t>то ж, похоже, что пора вернуться к «</a:t>
+            </a:r>
+            <a:r>
+              <a:rPr lang="en-US" sz="2000" dirty="0"/>
+              <a:t>Issue</a:t>
+            </a:r>
+            <a:r>
+              <a:rPr lang="ru-RU" sz="2000" dirty="0"/>
+              <a:t>»</a:t>
+            </a:r>
+            <a:r>
+              <a:rPr lang="en-US" sz="2000" dirty="0"/>
+              <a:t>.</a:t>
+            </a:r>
+            <a:endParaRPr lang="ru-RU" sz="2000" dirty="0"/>
           </a:p>
         </p:txBody>
       </p:sp>
       <p:pic>
         <p:nvPicPr>
-          <p:cNvPr id="6" name="Рисунок 5"/>
+          <p:cNvPr id="5" name="Picture 4">
+            <a:extLst>
+              <a:ext uri="{FF2B5EF4-FFF2-40B4-BE49-F238E27FC236}">
+                <a16:creationId xmlns:a16="http://schemas.microsoft.com/office/drawing/2014/main" id="{A9298475-E738-4A8A-BFC6-BA2F2AEDD5C4}"/>
+              </a:ext>
+            </a:extLst>
+          </p:cNvPr>
           <p:cNvPicPr>
             <a:picLocks noChangeAspect="1"/>
           </p:cNvPicPr>
           <p:nvPr/>
         </p:nvPicPr>
         <p:blipFill>
-          <a:blip r:embed="rId3" cstate="print">
-            <a:extLst>
-              <a:ext uri="{28A0092B-C50C-407E-A947-70E740481C1C}">
-                <a14:useLocalDpi xmlns:a14="http://schemas.microsoft.com/office/drawing/2010/main" val="0"/>
-              </a:ext>
-            </a:extLst>
-          </a:blip>
+          <a:blip r:embed="rId3"/>
           <a:stretch>
             <a:fillRect/>
           </a:stretch>
         </p:blipFill>
         <p:spPr>
           <a:xfrm>
-            <a:off x="3608165" y="383233"/>
-            <a:ext cx="4526363" cy="1629491"/>
+            <a:off x="5062777" y="734822"/>
+            <a:ext cx="6930933" cy="5388356"/>
           </a:xfrm>
           <a:prstGeom prst="rect">
             <a:avLst/>
           </a:prstGeom>
         </p:spPr>
       </p:pic>
-      <p:sp>
-        <p:nvSpPr>
-          <p:cNvPr id="8" name="Содержимое 2">
-            <a:extLst>
-              <a:ext uri="{FF2B5EF4-FFF2-40B4-BE49-F238E27FC236}">
-                <a16:creationId xmlns:a16="http://schemas.microsoft.com/office/drawing/2014/main" id="{28EC01E1-F34C-45BF-B1CE-44ADBA7AF078}"/>
-              </a:ext>
-            </a:extLst>
-          </p:cNvPr>
-          <p:cNvSpPr>
-            <a:spLocks/>
-          </p:cNvSpPr>
-          <p:nvPr/>
-        </p:nvSpPr>
-        <p:spPr bwMode="auto">
-          <a:xfrm>
-            <a:off x="3936207" y="5517232"/>
-            <a:ext cx="4319587" cy="1008062"/>
-          </a:xfrm>
-          <a:prstGeom prst="rect">
-            <a:avLst/>
-          </a:prstGeom>
-          <a:noFill/>
-          <a:ln>
-            <a:noFill/>
-          </a:ln>
-          <a:extLst>
-            <a:ext uri="{909E8E84-426E-40DD-AFC4-6F175D3DCCD1}">
-              <a14:hiddenFill xmlns:a14="http://schemas.microsoft.com/office/drawing/2010/main">
-                <a:solidFill>
-                  <a:srgbClr val="FFFFFF"/>
-                </a:solidFill>
-              </a14:hiddenFill>
-            </a:ext>
-            <a:ext uri="{91240B29-F687-4F45-9708-019B960494DF}">
-              <a14:hiddenLine xmlns:a14="http://schemas.microsoft.com/office/drawing/2010/main" w="9525">
-                <a:solidFill>
-                  <a:srgbClr val="000000"/>
-                </a:solidFill>
-                <a:miter lim="800000"/>
-                <a:headEnd/>
-                <a:tailEnd/>
-              </a14:hiddenLine>
-            </a:ext>
-          </a:extLst>
-        </p:spPr>
-        <p:txBody>
-          <a:bodyPr/>
-          <a:lstStyle/>
-          <a:p>
-            <a:pPr marL="342900" indent="-342900" algn="ctr">
-              <a:spcBef>
-                <a:spcPts val="600"/>
-              </a:spcBef>
-            </a:pPr>
-            <a:r>
-              <a:rPr lang="en-US" sz="1600" dirty="0">
-                <a:solidFill>
-                  <a:schemeClr val="tx2"/>
-                </a:solidFill>
-                <a:latin typeface="Segoe UI Semilight" panose="020B0402040204020203" pitchFamily="34" charset="0"/>
-                <a:ea typeface="Verdana" panose="020B0604030504040204" pitchFamily="34" charset="0"/>
-                <a:cs typeface="Segoe UI Semilight" panose="020B0402040204020203" pitchFamily="34" charset="0"/>
-              </a:rPr>
-              <a:t>academy.rubius.com</a:t>
-            </a:r>
-          </a:p>
-          <a:p>
-            <a:pPr marL="342900" indent="-342900" algn="ctr">
-              <a:spcBef>
-                <a:spcPts val="600"/>
-              </a:spcBef>
-            </a:pPr>
-            <a:r>
-              <a:rPr lang="en-US" sz="1600" dirty="0">
-                <a:solidFill>
-                  <a:schemeClr val="tx2"/>
-                </a:solidFill>
-                <a:latin typeface="Segoe UI Semilight" panose="020B0402040204020203" pitchFamily="34" charset="0"/>
-                <a:ea typeface="Verdana" panose="020B0604030504040204" pitchFamily="34" charset="0"/>
-                <a:cs typeface="Segoe UI Semilight" panose="020B0402040204020203" pitchFamily="34" charset="0"/>
-              </a:rPr>
-              <a:t>konstantin.syrovatskiy@rubius.com</a:t>
-            </a:r>
-          </a:p>
-          <a:p>
-            <a:pPr marL="342900" indent="-342900" algn="ctr">
-              <a:spcBef>
-                <a:spcPts val="600"/>
-              </a:spcBef>
-            </a:pPr>
-            <a:r>
-              <a:rPr lang="ru-RU" sz="1600" dirty="0">
-                <a:latin typeface="Segoe UI Semilight" panose="020B0402040204020203" pitchFamily="34" charset="0"/>
-                <a:ea typeface="Verdana" panose="020B0604030504040204" pitchFamily="34" charset="0"/>
-                <a:cs typeface="Segoe UI Semilight" panose="020B0402040204020203" pitchFamily="34" charset="0"/>
-              </a:rPr>
-              <a:t>Константин </a:t>
-            </a:r>
-            <a:r>
-              <a:rPr lang="ru-RU" sz="1600" dirty="0" err="1">
-                <a:latin typeface="Segoe UI Semilight" panose="020B0402040204020203" pitchFamily="34" charset="0"/>
-                <a:ea typeface="Verdana" panose="020B0604030504040204" pitchFamily="34" charset="0"/>
-                <a:cs typeface="Segoe UI Semilight" panose="020B0402040204020203" pitchFamily="34" charset="0"/>
-              </a:rPr>
-              <a:t>Сыроватский</a:t>
-            </a:r>
-            <a:r>
-              <a:rPr lang="en-US" sz="1600" dirty="0">
-                <a:latin typeface="Segoe UI Semilight" panose="020B0402040204020203" pitchFamily="34" charset="0"/>
-                <a:ea typeface="Verdana" panose="020B0604030504040204" pitchFamily="34" charset="0"/>
-                <a:cs typeface="Segoe UI Semilight" panose="020B0402040204020203" pitchFamily="34" charset="0"/>
-              </a:rPr>
-              <a:t> </a:t>
-            </a:r>
-            <a:endParaRPr lang="ru-RU" sz="1600" dirty="0">
-              <a:latin typeface="Segoe UI Semilight" panose="020B0402040204020203" pitchFamily="34" charset="0"/>
-              <a:ea typeface="Verdana" panose="020B0604030504040204" pitchFamily="34" charset="0"/>
-              <a:cs typeface="Segoe UI Semilight" panose="020B0402040204020203" pitchFamily="34" charset="0"/>
-            </a:endParaRPr>
-          </a:p>
-        </p:txBody>
-      </p:sp>
     </p:spTree>
     <p:extLst>
       <p:ext uri="{BB962C8B-B14F-4D97-AF65-F5344CB8AC3E}">
-        <p14:creationId xmlns:p14="http://schemas.microsoft.com/office/powerpoint/2010/main" val="1085705960"/>
+        <p14:creationId xmlns:p14="http://schemas.microsoft.com/office/powerpoint/2010/main" val="991522836"/>
       </p:ext>
     </p:extLst>
   </p:cSld>
@@ -6190,10 +7004,10 @@
       </p:grpSpPr>
       <p:sp>
         <p:nvSpPr>
-          <p:cNvPr id="2" name="Slide Number Placeholder 1">
+          <p:cNvPr id="3" name="Slide Number Placeholder 2">
             <a:extLst>
               <a:ext uri="{FF2B5EF4-FFF2-40B4-BE49-F238E27FC236}">
-                <a16:creationId xmlns:a16="http://schemas.microsoft.com/office/drawing/2014/main" id="{D35B0B0F-F36D-4760-B623-0DC0EEAAF56E}"/>
+                <a16:creationId xmlns:a16="http://schemas.microsoft.com/office/drawing/2014/main" id="{6321BABD-98A4-4C81-896B-674D1A8BEE76}"/>
               </a:ext>
             </a:extLst>
           </p:cNvPr>
@@ -6211,205 +7025,1094 @@
           <a:p>
             <a:fld id="{804AB9DF-E7AE-468D-8B4C-48ED25F9C89B}" type="slidenum">
               <a:rPr lang="ru-RU" smtClean="0"/>
-              <a:pPr/>
               <a:t>14</a:t>
             </a:fld>
-            <a:endParaRPr lang="ru-RU" dirty="0"/>
+            <a:endParaRPr lang="ru-RU"/>
+          </a:p>
+        </p:txBody>
+      </p:sp>
+      <p:sp>
+        <p:nvSpPr>
+          <p:cNvPr id="7" name="Rectangle 5">
+            <a:extLst>
+              <a:ext uri="{FF2B5EF4-FFF2-40B4-BE49-F238E27FC236}">
+                <a16:creationId xmlns:a16="http://schemas.microsoft.com/office/drawing/2014/main" id="{D2A77D05-B381-4811-9D20-C1146A5CD2CF}"/>
+              </a:ext>
+            </a:extLst>
+          </p:cNvPr>
+          <p:cNvSpPr/>
+          <p:nvPr/>
+        </p:nvSpPr>
+        <p:spPr>
+          <a:xfrm>
+            <a:off x="454265" y="1052736"/>
+            <a:ext cx="4608512" cy="4708981"/>
+          </a:xfrm>
+          <a:prstGeom prst="rect">
+            <a:avLst/>
+          </a:prstGeom>
+        </p:spPr>
+        <p:txBody>
+          <a:bodyPr wrap="square">
+            <a:spAutoFit/>
+          </a:bodyPr>
+          <a:lstStyle/>
+          <a:p>
+            <a:r>
+              <a:rPr lang="ru-RU" sz="2000" dirty="0">
+                <a:solidFill>
+                  <a:srgbClr val="911010"/>
+                </a:solidFill>
+              </a:rPr>
+              <a:t>Ч</a:t>
+            </a:r>
+            <a:r>
+              <a:rPr lang="ru-RU" sz="2000" dirty="0"/>
+              <a:t>асть информации уже есть в нашем отчёте об ошибке. А именно, на каком этапе (</a:t>
+            </a:r>
+            <a:r>
+              <a:rPr lang="en-US" sz="2000" dirty="0"/>
+              <a:t>stage</a:t>
+            </a:r>
+            <a:r>
+              <a:rPr lang="ru-RU" sz="2000" dirty="0"/>
+              <a:t>)</a:t>
+            </a:r>
+            <a:r>
+              <a:rPr lang="en-US" sz="2000" dirty="0"/>
+              <a:t> </a:t>
+            </a:r>
+            <a:r>
+              <a:rPr lang="ru-RU" sz="2000" dirty="0"/>
+              <a:t>произошла ошибка и коммит, после которого она произошла.</a:t>
+            </a:r>
+          </a:p>
+          <a:p>
+            <a:endParaRPr lang="ru-RU" sz="2000" dirty="0"/>
+          </a:p>
+          <a:p>
+            <a:r>
+              <a:rPr lang="ru-RU" sz="2000" dirty="0">
+                <a:solidFill>
+                  <a:srgbClr val="911010"/>
+                </a:solidFill>
+              </a:rPr>
+              <a:t>Д</a:t>
+            </a:r>
+            <a:r>
+              <a:rPr lang="ru-RU" sz="2000" dirty="0"/>
+              <a:t>ополним отчёт следующей информацией</a:t>
+            </a:r>
+            <a:r>
+              <a:rPr lang="ru-RU" sz="2000" dirty="0">
+                <a:solidFill>
+                  <a:srgbClr val="911010"/>
+                </a:solidFill>
+              </a:rPr>
+              <a:t>:</a:t>
+            </a:r>
+          </a:p>
+          <a:p>
+            <a:pPr marL="342900" indent="-342900">
+              <a:buFont typeface="Arial" panose="020B0604020202020204" pitchFamily="34" charset="0"/>
+              <a:buChar char="•"/>
+            </a:pPr>
+            <a:r>
+              <a:rPr lang="ru-RU" sz="2000" dirty="0">
+                <a:solidFill>
+                  <a:srgbClr val="911010"/>
+                </a:solidFill>
+              </a:rPr>
+              <a:t>К</a:t>
+            </a:r>
+            <a:r>
+              <a:rPr lang="ru-RU" sz="2000" dirty="0"/>
+              <a:t>акой тест  провален;</a:t>
+            </a:r>
+          </a:p>
+          <a:p>
+            <a:pPr marL="342900" indent="-342900">
+              <a:buFont typeface="Arial" panose="020B0604020202020204" pitchFamily="34" charset="0"/>
+              <a:buChar char="•"/>
+            </a:pPr>
+            <a:r>
+              <a:rPr lang="ru-RU" sz="2000" dirty="0">
+                <a:solidFill>
+                  <a:srgbClr val="911010"/>
+                </a:solidFill>
+              </a:rPr>
+              <a:t>В</a:t>
+            </a:r>
+            <a:r>
+              <a:rPr lang="ru-RU" sz="2000" dirty="0"/>
+              <a:t> какой ветке;</a:t>
+            </a:r>
+          </a:p>
+          <a:p>
+            <a:pPr marL="342900" indent="-342900">
+              <a:buFont typeface="Arial" panose="020B0604020202020204" pitchFamily="34" charset="0"/>
+              <a:buChar char="•"/>
+            </a:pPr>
+            <a:r>
+              <a:rPr lang="ru-RU" sz="2000" dirty="0">
+                <a:solidFill>
+                  <a:srgbClr val="911010"/>
+                </a:solidFill>
+              </a:rPr>
+              <a:t>Н</a:t>
+            </a:r>
+            <a:r>
+              <a:rPr lang="ru-RU" sz="2000" dirty="0"/>
+              <a:t>азвание файла и номер строчки кода, послужившей причиной;</a:t>
+            </a:r>
+          </a:p>
+          <a:p>
+            <a:pPr marL="342900" indent="-342900">
+              <a:buFont typeface="Arial" panose="020B0604020202020204" pitchFamily="34" charset="0"/>
+              <a:buChar char="•"/>
+            </a:pPr>
+            <a:r>
+              <a:rPr lang="ru-RU" sz="2000" dirty="0">
+                <a:solidFill>
+                  <a:srgbClr val="911010"/>
+                </a:solidFill>
+              </a:rPr>
+              <a:t>О</a:t>
+            </a:r>
+            <a:r>
+              <a:rPr lang="ru-RU" sz="2000" dirty="0"/>
+              <a:t>писанием действий, которые мы совершили, что бы обнаружить причину данной ошибки.</a:t>
+            </a:r>
+            <a:endParaRPr lang="en-US" sz="2000" dirty="0"/>
+          </a:p>
+          <a:p>
+            <a:pPr marL="342900" indent="-342900">
+              <a:buFont typeface="Arial" panose="020B0604020202020204" pitchFamily="34" charset="0"/>
+              <a:buChar char="•"/>
+            </a:pPr>
+            <a:r>
+              <a:rPr lang="ru-RU" sz="2000" dirty="0">
+                <a:solidFill>
+                  <a:srgbClr val="911010"/>
+                </a:solidFill>
+              </a:rPr>
+              <a:t>И</a:t>
+            </a:r>
+            <a:r>
+              <a:rPr lang="ru-RU" sz="2000" dirty="0"/>
+              <a:t> конечно тайминги!</a:t>
+            </a:r>
           </a:p>
         </p:txBody>
       </p:sp>
       <p:pic>
         <p:nvPicPr>
-          <p:cNvPr id="3" name="Picture 2" descr="Image result for futurama meme">
+          <p:cNvPr id="2" name="Picture 1">
             <a:extLst>
               <a:ext uri="{FF2B5EF4-FFF2-40B4-BE49-F238E27FC236}">
-                <a16:creationId xmlns:a16="http://schemas.microsoft.com/office/drawing/2014/main" id="{FE8C5FF7-3F4E-4A42-845D-B8736229A5A6}"/>
+                <a16:creationId xmlns:a16="http://schemas.microsoft.com/office/drawing/2014/main" id="{184798D0-020A-4A0F-803B-AB80A5176036}"/>
               </a:ext>
             </a:extLst>
           </p:cNvPr>
           <p:cNvPicPr>
-            <a:picLocks noChangeAspect="1" noChangeArrowheads="1" noCrop="1"/>
+            <a:picLocks noChangeAspect="1"/>
           </p:cNvPicPr>
           <p:nvPr/>
         </p:nvPicPr>
         <p:blipFill>
-          <a:blip r:embed="rId2">
-            <a:extLst>
-              <a:ext uri="{28A0092B-C50C-407E-A947-70E740481C1C}">
-                <a14:useLocalDpi xmlns:a14="http://schemas.microsoft.com/office/drawing/2010/main" val="0"/>
-              </a:ext>
-            </a:extLst>
-          </a:blip>
-          <a:srcRect/>
+          <a:blip r:embed="rId3"/>
           <a:stretch>
             <a:fillRect/>
           </a:stretch>
         </p:blipFill>
-        <p:spPr bwMode="auto">
+        <p:spPr>
           <a:xfrm>
-            <a:off x="6240016" y="3569013"/>
-            <a:ext cx="4762500" cy="2667000"/>
+            <a:off x="5488157" y="548680"/>
+            <a:ext cx="6498885" cy="5052467"/>
           </a:xfrm>
           <a:prstGeom prst="rect">
             <a:avLst/>
           </a:prstGeom>
-          <a:noFill/>
-          <a:extLst>
-            <a:ext uri="{909E8E84-426E-40DD-AFC4-6F175D3DCCD1}">
-              <a14:hiddenFill xmlns:a14="http://schemas.microsoft.com/office/drawing/2010/main">
-                <a:solidFill>
-                  <a:srgbClr val="FFFFFF"/>
-                </a:solidFill>
-              </a14:hiddenFill>
-            </a:ext>
-          </a:extLst>
-        </p:spPr>
-      </p:pic>
-      <p:pic>
-        <p:nvPicPr>
-          <p:cNvPr id="4" name="Picture 2" descr="Image result for futurama stop">
-            <a:extLst>
-              <a:ext uri="{FF2B5EF4-FFF2-40B4-BE49-F238E27FC236}">
-                <a16:creationId xmlns:a16="http://schemas.microsoft.com/office/drawing/2014/main" id="{E9692C64-546F-4816-837D-0439A7DE51B7}"/>
-              </a:ext>
-            </a:extLst>
-          </p:cNvPr>
-          <p:cNvPicPr>
-            <a:picLocks noChangeAspect="1" noChangeArrowheads="1" noCrop="1"/>
-          </p:cNvPicPr>
-          <p:nvPr/>
-        </p:nvPicPr>
-        <p:blipFill>
-          <a:blip r:embed="rId3">
-            <a:extLst>
-              <a:ext uri="{28A0092B-C50C-407E-A947-70E740481C1C}">
-                <a14:useLocalDpi xmlns:a14="http://schemas.microsoft.com/office/drawing/2010/main" val="0"/>
-              </a:ext>
-            </a:extLst>
-          </a:blip>
-          <a:srcRect/>
-          <a:stretch>
-            <a:fillRect/>
-          </a:stretch>
-        </p:blipFill>
-        <p:spPr bwMode="auto">
-          <a:xfrm>
-            <a:off x="3215680" y="857250"/>
-            <a:ext cx="4572000" cy="2571750"/>
-          </a:xfrm>
-          <a:prstGeom prst="rect">
-            <a:avLst/>
-          </a:prstGeom>
-          <a:noFill/>
-          <a:extLst>
-            <a:ext uri="{909E8E84-426E-40DD-AFC4-6F175D3DCCD1}">
-              <a14:hiddenFill xmlns:a14="http://schemas.microsoft.com/office/drawing/2010/main">
-                <a:solidFill>
-                  <a:srgbClr val="FFFFFF"/>
-                </a:solidFill>
-              </a14:hiddenFill>
-            </a:ext>
-          </a:extLst>
-        </p:spPr>
-      </p:pic>
-      <p:pic>
-        <p:nvPicPr>
-          <p:cNvPr id="5" name="Picture 4" descr="Image result for futurama stop">
-            <a:extLst>
-              <a:ext uri="{FF2B5EF4-FFF2-40B4-BE49-F238E27FC236}">
-                <a16:creationId xmlns:a16="http://schemas.microsoft.com/office/drawing/2014/main" id="{6E6C5B7C-BFCA-4AEA-9276-96DF99CA15EE}"/>
-              </a:ext>
-            </a:extLst>
-          </p:cNvPr>
-          <p:cNvPicPr>
-            <a:picLocks noChangeAspect="1" noChangeArrowheads="1"/>
-          </p:cNvPicPr>
-          <p:nvPr/>
-        </p:nvPicPr>
-        <p:blipFill>
-          <a:blip r:embed="rId4">
-            <a:extLst>
-              <a:ext uri="{28A0092B-C50C-407E-A947-70E740481C1C}">
-                <a14:useLocalDpi xmlns:a14="http://schemas.microsoft.com/office/drawing/2010/main" val="0"/>
-              </a:ext>
-            </a:extLst>
-          </a:blip>
-          <a:srcRect/>
-          <a:stretch>
-            <a:fillRect/>
-          </a:stretch>
-        </p:blipFill>
-        <p:spPr bwMode="auto">
-          <a:xfrm>
-            <a:off x="1991544" y="3569677"/>
-            <a:ext cx="4762500" cy="2676525"/>
-          </a:xfrm>
-          <a:prstGeom prst="rect">
-            <a:avLst/>
-          </a:prstGeom>
-          <a:noFill/>
-          <a:extLst>
-            <a:ext uri="{909E8E84-426E-40DD-AFC4-6F175D3DCCD1}">
-              <a14:hiddenFill xmlns:a14="http://schemas.microsoft.com/office/drawing/2010/main">
-                <a:solidFill>
-                  <a:srgbClr val="FFFFFF"/>
-                </a:solidFill>
-              </a14:hiddenFill>
-            </a:ext>
-          </a:extLst>
-        </p:spPr>
-      </p:pic>
-      <p:pic>
-        <p:nvPicPr>
-          <p:cNvPr id="6" name="Picture 8" descr="Image result for futurama meme">
-            <a:extLst>
-              <a:ext uri="{FF2B5EF4-FFF2-40B4-BE49-F238E27FC236}">
-                <a16:creationId xmlns:a16="http://schemas.microsoft.com/office/drawing/2014/main" id="{3E98FD39-94C2-4547-A69B-A11215C4D689}"/>
-              </a:ext>
-            </a:extLst>
-          </p:cNvPr>
-          <p:cNvPicPr>
-            <a:picLocks noChangeAspect="1" noChangeArrowheads="1"/>
-          </p:cNvPicPr>
-          <p:nvPr/>
-        </p:nvPicPr>
-        <p:blipFill>
-          <a:blip r:embed="rId5">
-            <a:extLst>
-              <a:ext uri="{28A0092B-C50C-407E-A947-70E740481C1C}">
-                <a14:useLocalDpi xmlns:a14="http://schemas.microsoft.com/office/drawing/2010/main" val="0"/>
-              </a:ext>
-            </a:extLst>
-          </a:blip>
-          <a:srcRect/>
-          <a:stretch>
-            <a:fillRect/>
-          </a:stretch>
-        </p:blipFill>
-        <p:spPr bwMode="auto">
-          <a:xfrm>
-            <a:off x="7520707" y="2027946"/>
-            <a:ext cx="3343275" cy="2257425"/>
-          </a:xfrm>
-          <a:prstGeom prst="rect">
-            <a:avLst/>
-          </a:prstGeom>
-          <a:noFill/>
-          <a:extLst>
-            <a:ext uri="{909E8E84-426E-40DD-AFC4-6F175D3DCCD1}">
-              <a14:hiddenFill xmlns:a14="http://schemas.microsoft.com/office/drawing/2010/main">
-                <a:solidFill>
-                  <a:srgbClr val="FFFFFF"/>
-                </a:solidFill>
-              </a14:hiddenFill>
-            </a:ext>
-          </a:extLst>
         </p:spPr>
       </p:pic>
     </p:spTree>
     <p:extLst>
       <p:ext uri="{BB962C8B-B14F-4D97-AF65-F5344CB8AC3E}">
-        <p14:creationId xmlns:p14="http://schemas.microsoft.com/office/powerpoint/2010/main" val="4157100123"/>
+        <p14:creationId xmlns:p14="http://schemas.microsoft.com/office/powerpoint/2010/main" val="2116078126"/>
+      </p:ext>
+    </p:extLst>
+  </p:cSld>
+  <p:clrMapOvr>
+    <a:masterClrMapping/>
+  </p:clrMapOvr>
+</p:sld>
+</file>
+
+<file path=ppt/slides/slide15.xml><?xml version="1.0" encoding="utf-8"?>
+<p:sld xmlns:a="http://schemas.openxmlformats.org/drawingml/2006/main" xmlns:r="http://schemas.openxmlformats.org/officeDocument/2006/relationships" xmlns:p="http://schemas.openxmlformats.org/presentationml/2006/main">
+  <p:cSld>
+    <p:spTree>
+      <p:nvGrpSpPr>
+        <p:cNvPr id="1" name=""/>
+        <p:cNvGrpSpPr/>
+        <p:nvPr/>
+      </p:nvGrpSpPr>
+      <p:grpSpPr>
+        <a:xfrm>
+          <a:off x="0" y="0"/>
+          <a:ext cx="0" cy="0"/>
+          <a:chOff x="0" y="0"/>
+          <a:chExt cx="0" cy="0"/>
+        </a:xfrm>
+      </p:grpSpPr>
+      <p:sp>
+        <p:nvSpPr>
+          <p:cNvPr id="3" name="Slide Number Placeholder 2">
+            <a:extLst>
+              <a:ext uri="{FF2B5EF4-FFF2-40B4-BE49-F238E27FC236}">
+                <a16:creationId xmlns:a16="http://schemas.microsoft.com/office/drawing/2014/main" id="{6321BABD-98A4-4C81-896B-674D1A8BEE76}"/>
+              </a:ext>
+            </a:extLst>
+          </p:cNvPr>
+          <p:cNvSpPr>
+            <a:spLocks noGrp="1"/>
+          </p:cNvSpPr>
+          <p:nvPr>
+            <p:ph type="sldNum" sz="quarter" idx="4"/>
+          </p:nvPr>
+        </p:nvSpPr>
+        <p:spPr/>
+        <p:txBody>
+          <a:bodyPr/>
+          <a:lstStyle/>
+          <a:p>
+            <a:fld id="{804AB9DF-E7AE-468D-8B4C-48ED25F9C89B}" type="slidenum">
+              <a:rPr lang="ru-RU" smtClean="0"/>
+              <a:t>15</a:t>
+            </a:fld>
+            <a:endParaRPr lang="ru-RU"/>
+          </a:p>
+        </p:txBody>
+      </p:sp>
+      <p:sp>
+        <p:nvSpPr>
+          <p:cNvPr id="7" name="Rectangle 5">
+            <a:extLst>
+              <a:ext uri="{FF2B5EF4-FFF2-40B4-BE49-F238E27FC236}">
+                <a16:creationId xmlns:a16="http://schemas.microsoft.com/office/drawing/2014/main" id="{D2A77D05-B381-4811-9D20-C1146A5CD2CF}"/>
+              </a:ext>
+            </a:extLst>
+          </p:cNvPr>
+          <p:cNvSpPr/>
+          <p:nvPr/>
+        </p:nvSpPr>
+        <p:spPr>
+          <a:xfrm>
+            <a:off x="454265" y="1052736"/>
+            <a:ext cx="4608512" cy="3477875"/>
+          </a:xfrm>
+          <a:prstGeom prst="rect">
+            <a:avLst/>
+          </a:prstGeom>
+        </p:spPr>
+        <p:txBody>
+          <a:bodyPr wrap="square">
+            <a:spAutoFit/>
+          </a:bodyPr>
+          <a:lstStyle/>
+          <a:p>
+            <a:r>
+              <a:rPr lang="ru-RU" sz="2000" dirty="0"/>
+              <a:t>Создать задачу.</a:t>
+            </a:r>
+          </a:p>
+          <a:p>
+            <a:endParaRPr lang="ru-RU" sz="2000" dirty="0"/>
+          </a:p>
+          <a:p>
+            <a:r>
+              <a:rPr lang="ru-RU" sz="2000" dirty="0">
+                <a:solidFill>
+                  <a:srgbClr val="911010"/>
+                </a:solidFill>
+              </a:rPr>
+              <a:t>К</a:t>
+            </a:r>
+            <a:r>
+              <a:rPr lang="ru-RU" sz="2000" dirty="0"/>
+              <a:t>ритерии проверки:</a:t>
+            </a:r>
+          </a:p>
+          <a:p>
+            <a:pPr marL="342900" indent="-342900">
+              <a:buFont typeface="Arial" panose="020B0604020202020204" pitchFamily="34" charset="0"/>
+              <a:buChar char="•"/>
+            </a:pPr>
+            <a:r>
+              <a:rPr lang="ru-RU" sz="2000" dirty="0">
+                <a:solidFill>
+                  <a:srgbClr val="911010"/>
+                </a:solidFill>
+              </a:rPr>
+              <a:t>С</a:t>
+            </a:r>
+            <a:r>
+              <a:rPr lang="ru-RU" sz="2000" dirty="0"/>
+              <a:t>озданный баг репорт</a:t>
+            </a:r>
+          </a:p>
+          <a:p>
+            <a:pPr marL="342900" indent="-342900">
+              <a:buFont typeface="Arial" panose="020B0604020202020204" pitchFamily="34" charset="0"/>
+              <a:buChar char="•"/>
+            </a:pPr>
+            <a:r>
+              <a:rPr lang="ru-RU" sz="2000" dirty="0">
+                <a:solidFill>
+                  <a:srgbClr val="911010"/>
+                </a:solidFill>
+              </a:rPr>
+              <a:t>У</a:t>
+            </a:r>
+            <a:r>
+              <a:rPr lang="ru-RU" sz="2000" dirty="0"/>
+              <a:t>казана верная ветка</a:t>
+            </a:r>
+          </a:p>
+          <a:p>
+            <a:pPr marL="342900" indent="-342900">
+              <a:buFont typeface="Arial" panose="020B0604020202020204" pitchFamily="34" charset="0"/>
+              <a:buChar char="•"/>
+            </a:pPr>
+            <a:r>
+              <a:rPr lang="ru-RU" sz="2000" dirty="0">
+                <a:solidFill>
+                  <a:srgbClr val="911010"/>
+                </a:solidFill>
+              </a:rPr>
+              <a:t>У</a:t>
+            </a:r>
+            <a:r>
+              <a:rPr lang="ru-RU" sz="2000" dirty="0"/>
+              <a:t>казан верный коммит</a:t>
+            </a:r>
+          </a:p>
+          <a:p>
+            <a:pPr marL="342900" indent="-342900">
+              <a:buFont typeface="Arial" panose="020B0604020202020204" pitchFamily="34" charset="0"/>
+              <a:buChar char="•"/>
+            </a:pPr>
+            <a:r>
+              <a:rPr lang="ru-RU" sz="2000" dirty="0">
+                <a:solidFill>
+                  <a:srgbClr val="911010"/>
+                </a:solidFill>
+              </a:rPr>
+              <a:t>У</a:t>
+            </a:r>
+            <a:r>
+              <a:rPr lang="ru-RU" sz="2000" dirty="0"/>
+              <a:t>казан верный код, сломавший тест</a:t>
+            </a:r>
+          </a:p>
+          <a:p>
+            <a:pPr marL="342900" indent="-342900">
+              <a:buFont typeface="Arial" panose="020B0604020202020204" pitchFamily="34" charset="0"/>
+              <a:buChar char="•"/>
+            </a:pPr>
+            <a:r>
+              <a:rPr lang="ru-RU" sz="2000" dirty="0">
+                <a:solidFill>
+                  <a:srgbClr val="911010"/>
+                </a:solidFill>
+              </a:rPr>
+              <a:t>О</a:t>
+            </a:r>
+            <a:r>
+              <a:rPr lang="ru-RU" sz="2000" dirty="0"/>
+              <a:t>писан процесс поиска кода, сломавшего тесты,</a:t>
+            </a:r>
+          </a:p>
+          <a:p>
+            <a:pPr marL="342900" indent="-342900">
+              <a:buFont typeface="Arial" panose="020B0604020202020204" pitchFamily="34" charset="0"/>
+              <a:buChar char="•"/>
+            </a:pPr>
+            <a:r>
+              <a:rPr lang="ru-RU" sz="2000" dirty="0">
+                <a:solidFill>
+                  <a:srgbClr val="911010"/>
+                </a:solidFill>
+              </a:rPr>
+              <a:t>И</a:t>
+            </a:r>
+            <a:r>
+              <a:rPr lang="ru-RU" sz="2000" dirty="0"/>
+              <a:t> добавлены </a:t>
+            </a:r>
+            <a:r>
+              <a:rPr lang="ru-RU" sz="2000"/>
+              <a:t>ли тайминги.</a:t>
+            </a:r>
+            <a:endParaRPr lang="ru-RU" sz="2000" dirty="0"/>
+          </a:p>
+          <a:p>
+            <a:endParaRPr lang="ru-RU" sz="2000" dirty="0"/>
+          </a:p>
+        </p:txBody>
+      </p:sp>
+      <p:pic>
+        <p:nvPicPr>
+          <p:cNvPr id="2" name="Picture 1">
+            <a:extLst>
+              <a:ext uri="{FF2B5EF4-FFF2-40B4-BE49-F238E27FC236}">
+                <a16:creationId xmlns:a16="http://schemas.microsoft.com/office/drawing/2014/main" id="{6C0BB589-DF34-4C65-82D4-7D77C5F17526}"/>
+              </a:ext>
+            </a:extLst>
+          </p:cNvPr>
+          <p:cNvPicPr>
+            <a:picLocks noChangeAspect="1"/>
+          </p:cNvPicPr>
+          <p:nvPr/>
+        </p:nvPicPr>
+        <p:blipFill>
+          <a:blip r:embed="rId3"/>
+          <a:stretch>
+            <a:fillRect/>
+          </a:stretch>
+        </p:blipFill>
+        <p:spPr>
+          <a:xfrm>
+            <a:off x="4943872" y="620688"/>
+            <a:ext cx="7070737" cy="4538204"/>
+          </a:xfrm>
+          <a:prstGeom prst="rect">
+            <a:avLst/>
+          </a:prstGeom>
+        </p:spPr>
+      </p:pic>
+    </p:spTree>
+    <p:extLst>
+      <p:ext uri="{BB962C8B-B14F-4D97-AF65-F5344CB8AC3E}">
+        <p14:creationId xmlns:p14="http://schemas.microsoft.com/office/powerpoint/2010/main" val="3304271179"/>
+      </p:ext>
+    </p:extLst>
+  </p:cSld>
+  <p:clrMapOvr>
+    <a:masterClrMapping/>
+  </p:clrMapOvr>
+</p:sld>
+</file>
+
+<file path=ppt/slides/slide16.xml><?xml version="1.0" encoding="utf-8"?>
+<p:sld xmlns:a="http://schemas.openxmlformats.org/drawingml/2006/main" xmlns:r="http://schemas.openxmlformats.org/officeDocument/2006/relationships" xmlns:p="http://schemas.openxmlformats.org/presentationml/2006/main">
+  <p:cSld>
+    <p:spTree>
+      <p:nvGrpSpPr>
+        <p:cNvPr id="1" name=""/>
+        <p:cNvGrpSpPr/>
+        <p:nvPr/>
+      </p:nvGrpSpPr>
+      <p:grpSpPr>
+        <a:xfrm>
+          <a:off x="0" y="0"/>
+          <a:ext cx="0" cy="0"/>
+          <a:chOff x="0" y="0"/>
+          <a:chExt cx="0" cy="0"/>
+        </a:xfrm>
+      </p:grpSpPr>
+      <p:sp>
+        <p:nvSpPr>
+          <p:cNvPr id="3" name="Slide Number Placeholder 2">
+            <a:extLst>
+              <a:ext uri="{FF2B5EF4-FFF2-40B4-BE49-F238E27FC236}">
+                <a16:creationId xmlns:a16="http://schemas.microsoft.com/office/drawing/2014/main" id="{6321BABD-98A4-4C81-896B-674D1A8BEE76}"/>
+              </a:ext>
+            </a:extLst>
+          </p:cNvPr>
+          <p:cNvSpPr>
+            <a:spLocks noGrp="1"/>
+          </p:cNvSpPr>
+          <p:nvPr>
+            <p:ph type="sldNum" sz="quarter" idx="4"/>
+          </p:nvPr>
+        </p:nvSpPr>
+        <p:spPr/>
+        <p:txBody>
+          <a:bodyPr/>
+          <a:lstStyle/>
+          <a:p>
+            <a:fld id="{804AB9DF-E7AE-468D-8B4C-48ED25F9C89B}" type="slidenum">
+              <a:rPr lang="ru-RU" smtClean="0"/>
+              <a:t>16</a:t>
+            </a:fld>
+            <a:endParaRPr lang="ru-RU"/>
+          </a:p>
+        </p:txBody>
+      </p:sp>
+      <p:sp>
+        <p:nvSpPr>
+          <p:cNvPr id="7" name="Rectangle 5">
+            <a:extLst>
+              <a:ext uri="{FF2B5EF4-FFF2-40B4-BE49-F238E27FC236}">
+                <a16:creationId xmlns:a16="http://schemas.microsoft.com/office/drawing/2014/main" id="{D2A77D05-B381-4811-9D20-C1146A5CD2CF}"/>
+              </a:ext>
+            </a:extLst>
+          </p:cNvPr>
+          <p:cNvSpPr/>
+          <p:nvPr/>
+        </p:nvSpPr>
+        <p:spPr>
+          <a:xfrm>
+            <a:off x="454265" y="1052736"/>
+            <a:ext cx="4608512" cy="2246769"/>
+          </a:xfrm>
+          <a:prstGeom prst="rect">
+            <a:avLst/>
+          </a:prstGeom>
+        </p:spPr>
+        <p:txBody>
+          <a:bodyPr wrap="square">
+            <a:spAutoFit/>
+          </a:bodyPr>
+          <a:lstStyle/>
+          <a:p>
+            <a:r>
+              <a:rPr lang="ru-RU" sz="2000" dirty="0"/>
+              <a:t>Для тех кому интересно, копнуть глубже.</a:t>
+            </a:r>
+          </a:p>
+          <a:p>
+            <a:endParaRPr lang="ru-RU" sz="2000" dirty="0"/>
+          </a:p>
+          <a:p>
+            <a:r>
+              <a:rPr lang="ru-RU" sz="2000" dirty="0"/>
+              <a:t>Запросить доступ к проекту, на странице проекта.</a:t>
+            </a:r>
+          </a:p>
+          <a:p>
+            <a:endParaRPr lang="ru-RU" sz="2000" dirty="0"/>
+          </a:p>
+          <a:p>
+            <a:endParaRPr lang="ru-RU" sz="2000" dirty="0"/>
+          </a:p>
+        </p:txBody>
+      </p:sp>
+      <p:pic>
+        <p:nvPicPr>
+          <p:cNvPr id="5" name="Picture 4">
+            <a:extLst>
+              <a:ext uri="{FF2B5EF4-FFF2-40B4-BE49-F238E27FC236}">
+                <a16:creationId xmlns:a16="http://schemas.microsoft.com/office/drawing/2014/main" id="{24C4266A-9419-4C54-9F12-7484949D3937}"/>
+              </a:ext>
+            </a:extLst>
+          </p:cNvPr>
+          <p:cNvPicPr>
+            <a:picLocks noChangeAspect="1"/>
+          </p:cNvPicPr>
+          <p:nvPr/>
+        </p:nvPicPr>
+        <p:blipFill>
+          <a:blip r:embed="rId3"/>
+          <a:stretch>
+            <a:fillRect/>
+          </a:stretch>
+        </p:blipFill>
+        <p:spPr>
+          <a:xfrm>
+            <a:off x="5231904" y="823802"/>
+            <a:ext cx="6702027" cy="5210396"/>
+          </a:xfrm>
+          <a:prstGeom prst="rect">
+            <a:avLst/>
+          </a:prstGeom>
+        </p:spPr>
+      </p:pic>
+    </p:spTree>
+    <p:extLst>
+      <p:ext uri="{BB962C8B-B14F-4D97-AF65-F5344CB8AC3E}">
+        <p14:creationId xmlns:p14="http://schemas.microsoft.com/office/powerpoint/2010/main" val="2554774486"/>
+      </p:ext>
+    </p:extLst>
+  </p:cSld>
+  <p:clrMapOvr>
+    <a:masterClrMapping/>
+  </p:clrMapOvr>
+</p:sld>
+</file>
+
+<file path=ppt/slides/slide17.xml><?xml version="1.0" encoding="utf-8"?>
+<p:sld xmlns:a="http://schemas.openxmlformats.org/drawingml/2006/main" xmlns:r="http://schemas.openxmlformats.org/officeDocument/2006/relationships" xmlns:p="http://schemas.openxmlformats.org/presentationml/2006/main">
+  <p:cSld>
+    <p:spTree>
+      <p:nvGrpSpPr>
+        <p:cNvPr id="1" name=""/>
+        <p:cNvGrpSpPr/>
+        <p:nvPr/>
+      </p:nvGrpSpPr>
+      <p:grpSpPr>
+        <a:xfrm>
+          <a:off x="0" y="0"/>
+          <a:ext cx="0" cy="0"/>
+          <a:chOff x="0" y="0"/>
+          <a:chExt cx="0" cy="0"/>
+        </a:xfrm>
+      </p:grpSpPr>
+      <p:sp>
+        <p:nvSpPr>
+          <p:cNvPr id="3" name="Slide Number Placeholder 2">
+            <a:extLst>
+              <a:ext uri="{FF2B5EF4-FFF2-40B4-BE49-F238E27FC236}">
+                <a16:creationId xmlns:a16="http://schemas.microsoft.com/office/drawing/2014/main" id="{6321BABD-98A4-4C81-896B-674D1A8BEE76}"/>
+              </a:ext>
+            </a:extLst>
+          </p:cNvPr>
+          <p:cNvSpPr>
+            <a:spLocks noGrp="1"/>
+          </p:cNvSpPr>
+          <p:nvPr>
+            <p:ph type="sldNum" sz="quarter" idx="4"/>
+          </p:nvPr>
+        </p:nvSpPr>
+        <p:spPr/>
+        <p:txBody>
+          <a:bodyPr/>
+          <a:lstStyle/>
+          <a:p>
+            <a:fld id="{804AB9DF-E7AE-468D-8B4C-48ED25F9C89B}" type="slidenum">
+              <a:rPr lang="ru-RU" smtClean="0"/>
+              <a:t>17</a:t>
+            </a:fld>
+            <a:endParaRPr lang="ru-RU"/>
+          </a:p>
+        </p:txBody>
+      </p:sp>
+      <p:sp>
+        <p:nvSpPr>
+          <p:cNvPr id="7" name="Rectangle 5">
+            <a:extLst>
+              <a:ext uri="{FF2B5EF4-FFF2-40B4-BE49-F238E27FC236}">
+                <a16:creationId xmlns:a16="http://schemas.microsoft.com/office/drawing/2014/main" id="{D2A77D05-B381-4811-9D20-C1146A5CD2CF}"/>
+              </a:ext>
+            </a:extLst>
+          </p:cNvPr>
+          <p:cNvSpPr/>
+          <p:nvPr/>
+        </p:nvSpPr>
+        <p:spPr>
+          <a:xfrm>
+            <a:off x="454265" y="1052736"/>
+            <a:ext cx="4608512" cy="707886"/>
+          </a:xfrm>
+          <a:prstGeom prst="rect">
+            <a:avLst/>
+          </a:prstGeom>
+        </p:spPr>
+        <p:txBody>
+          <a:bodyPr wrap="square">
+            <a:spAutoFit/>
+          </a:bodyPr>
+          <a:lstStyle/>
+          <a:p>
+            <a:r>
+              <a:rPr lang="ru-RU" sz="2000" dirty="0"/>
+              <a:t>В репозитории во вкладке «</a:t>
+            </a:r>
+            <a:r>
+              <a:rPr lang="en-US" sz="2000" dirty="0"/>
+              <a:t>branches</a:t>
+            </a:r>
+            <a:r>
+              <a:rPr lang="ru-RU" sz="2000" dirty="0"/>
+              <a:t>» создать новую ветку.</a:t>
+            </a:r>
+          </a:p>
+        </p:txBody>
+      </p:sp>
+      <p:pic>
+        <p:nvPicPr>
+          <p:cNvPr id="2" name="Picture 1">
+            <a:extLst>
+              <a:ext uri="{FF2B5EF4-FFF2-40B4-BE49-F238E27FC236}">
+                <a16:creationId xmlns:a16="http://schemas.microsoft.com/office/drawing/2014/main" id="{B30A4440-0A9A-412B-A6AA-9E4AC5636AD5}"/>
+              </a:ext>
+            </a:extLst>
+          </p:cNvPr>
+          <p:cNvPicPr>
+            <a:picLocks noChangeAspect="1"/>
+          </p:cNvPicPr>
+          <p:nvPr/>
+        </p:nvPicPr>
+        <p:blipFill>
+          <a:blip r:embed="rId3"/>
+          <a:stretch>
+            <a:fillRect/>
+          </a:stretch>
+        </p:blipFill>
+        <p:spPr>
+          <a:xfrm>
+            <a:off x="5045044" y="548680"/>
+            <a:ext cx="6961712" cy="5412285"/>
+          </a:xfrm>
+          <a:prstGeom prst="rect">
+            <a:avLst/>
+          </a:prstGeom>
+        </p:spPr>
+      </p:pic>
+    </p:spTree>
+    <p:extLst>
+      <p:ext uri="{BB962C8B-B14F-4D97-AF65-F5344CB8AC3E}">
+        <p14:creationId xmlns:p14="http://schemas.microsoft.com/office/powerpoint/2010/main" val="741942219"/>
+      </p:ext>
+    </p:extLst>
+  </p:cSld>
+  <p:clrMapOvr>
+    <a:masterClrMapping/>
+  </p:clrMapOvr>
+</p:sld>
+</file>
+
+<file path=ppt/slides/slide18.xml><?xml version="1.0" encoding="utf-8"?>
+<p:sld xmlns:a="http://schemas.openxmlformats.org/drawingml/2006/main" xmlns:r="http://schemas.openxmlformats.org/officeDocument/2006/relationships" xmlns:p="http://schemas.openxmlformats.org/presentationml/2006/main">
+  <p:cSld>
+    <p:spTree>
+      <p:nvGrpSpPr>
+        <p:cNvPr id="1" name=""/>
+        <p:cNvGrpSpPr/>
+        <p:nvPr/>
+      </p:nvGrpSpPr>
+      <p:grpSpPr>
+        <a:xfrm>
+          <a:off x="0" y="0"/>
+          <a:ext cx="0" cy="0"/>
+          <a:chOff x="0" y="0"/>
+          <a:chExt cx="0" cy="0"/>
+        </a:xfrm>
+      </p:grpSpPr>
+      <p:sp>
+        <p:nvSpPr>
+          <p:cNvPr id="3" name="Slide Number Placeholder 2">
+            <a:extLst>
+              <a:ext uri="{FF2B5EF4-FFF2-40B4-BE49-F238E27FC236}">
+                <a16:creationId xmlns:a16="http://schemas.microsoft.com/office/drawing/2014/main" id="{6321BABD-98A4-4C81-896B-674D1A8BEE76}"/>
+              </a:ext>
+            </a:extLst>
+          </p:cNvPr>
+          <p:cNvSpPr>
+            <a:spLocks noGrp="1"/>
+          </p:cNvSpPr>
+          <p:nvPr>
+            <p:ph type="sldNum" sz="quarter" idx="4"/>
+          </p:nvPr>
+        </p:nvSpPr>
+        <p:spPr/>
+        <p:txBody>
+          <a:bodyPr/>
+          <a:lstStyle/>
+          <a:p>
+            <a:fld id="{804AB9DF-E7AE-468D-8B4C-48ED25F9C89B}" type="slidenum">
+              <a:rPr lang="ru-RU" smtClean="0"/>
+              <a:t>18</a:t>
+            </a:fld>
+            <a:endParaRPr lang="ru-RU"/>
+          </a:p>
+        </p:txBody>
+      </p:sp>
+      <p:sp>
+        <p:nvSpPr>
+          <p:cNvPr id="7" name="Rectangle 5">
+            <a:extLst>
+              <a:ext uri="{FF2B5EF4-FFF2-40B4-BE49-F238E27FC236}">
+                <a16:creationId xmlns:a16="http://schemas.microsoft.com/office/drawing/2014/main" id="{D2A77D05-B381-4811-9D20-C1146A5CD2CF}"/>
+              </a:ext>
+            </a:extLst>
+          </p:cNvPr>
+          <p:cNvSpPr/>
+          <p:nvPr/>
+        </p:nvSpPr>
+        <p:spPr>
+          <a:xfrm>
+            <a:off x="454265" y="1052736"/>
+            <a:ext cx="4608512" cy="2554545"/>
+          </a:xfrm>
+          <a:prstGeom prst="rect">
+            <a:avLst/>
+          </a:prstGeom>
+        </p:spPr>
+        <p:txBody>
+          <a:bodyPr wrap="square">
+            <a:spAutoFit/>
+          </a:bodyPr>
+          <a:lstStyle/>
+          <a:p>
+            <a:r>
+              <a:rPr lang="ru-RU" sz="2000" dirty="0"/>
+              <a:t>Имя ветки должно быть в формате: первые три буквы вашей фамилии и ваши инициалы</a:t>
+            </a:r>
+          </a:p>
+          <a:p>
+            <a:endParaRPr lang="ru-RU" sz="2000" dirty="0"/>
+          </a:p>
+          <a:p>
+            <a:r>
+              <a:rPr lang="ru-RU" sz="2000" dirty="0"/>
+              <a:t>Например:</a:t>
+            </a:r>
+          </a:p>
+          <a:p>
+            <a:r>
+              <a:rPr lang="ru-RU" sz="2000" dirty="0"/>
+              <a:t>Гоголь Николай Васильевич -</a:t>
+            </a:r>
+            <a:r>
+              <a:rPr lang="en-US" sz="2000" dirty="0"/>
+              <a:t>&gt; </a:t>
+            </a:r>
+            <a:r>
+              <a:rPr lang="en-US" sz="2000" dirty="0" err="1"/>
+              <a:t>gognv</a:t>
+            </a:r>
+            <a:endParaRPr lang="en-US" sz="2000" dirty="0"/>
+          </a:p>
+          <a:p>
+            <a:endParaRPr lang="en-US" sz="2000" dirty="0"/>
+          </a:p>
+          <a:p>
+            <a:endParaRPr lang="ru-RU" sz="2000" dirty="0"/>
+          </a:p>
+        </p:txBody>
+      </p:sp>
+      <p:pic>
+        <p:nvPicPr>
+          <p:cNvPr id="4" name="Picture 3">
+            <a:extLst>
+              <a:ext uri="{FF2B5EF4-FFF2-40B4-BE49-F238E27FC236}">
+                <a16:creationId xmlns:a16="http://schemas.microsoft.com/office/drawing/2014/main" id="{6AAB4B90-9BF2-4476-A4E9-2355D9017492}"/>
+              </a:ext>
+            </a:extLst>
+          </p:cNvPr>
+          <p:cNvPicPr>
+            <a:picLocks noChangeAspect="1"/>
+          </p:cNvPicPr>
+          <p:nvPr/>
+        </p:nvPicPr>
+        <p:blipFill>
+          <a:blip r:embed="rId3"/>
+          <a:stretch>
+            <a:fillRect/>
+          </a:stretch>
+        </p:blipFill>
+        <p:spPr>
+          <a:xfrm>
+            <a:off x="5062777" y="470033"/>
+            <a:ext cx="6865573" cy="5337543"/>
+          </a:xfrm>
+          <a:prstGeom prst="rect">
+            <a:avLst/>
+          </a:prstGeom>
+        </p:spPr>
+      </p:pic>
+    </p:spTree>
+    <p:extLst>
+      <p:ext uri="{BB962C8B-B14F-4D97-AF65-F5344CB8AC3E}">
+        <p14:creationId xmlns:p14="http://schemas.microsoft.com/office/powerpoint/2010/main" val="3932475891"/>
+      </p:ext>
+    </p:extLst>
+  </p:cSld>
+  <p:clrMapOvr>
+    <a:masterClrMapping/>
+  </p:clrMapOvr>
+</p:sld>
+</file>
+
+<file path=ppt/slides/slide19.xml><?xml version="1.0" encoding="utf-8"?>
+<p:sld xmlns:a="http://schemas.openxmlformats.org/drawingml/2006/main" xmlns:r="http://schemas.openxmlformats.org/officeDocument/2006/relationships" xmlns:p="http://schemas.openxmlformats.org/presentationml/2006/main">
+  <p:cSld>
+    <p:spTree>
+      <p:nvGrpSpPr>
+        <p:cNvPr id="1" name=""/>
+        <p:cNvGrpSpPr/>
+        <p:nvPr/>
+      </p:nvGrpSpPr>
+      <p:grpSpPr>
+        <a:xfrm>
+          <a:off x="0" y="0"/>
+          <a:ext cx="0" cy="0"/>
+          <a:chOff x="0" y="0"/>
+          <a:chExt cx="0" cy="0"/>
+        </a:xfrm>
+      </p:grpSpPr>
+      <p:sp>
+        <p:nvSpPr>
+          <p:cNvPr id="3" name="Slide Number Placeholder 2">
+            <a:extLst>
+              <a:ext uri="{FF2B5EF4-FFF2-40B4-BE49-F238E27FC236}">
+                <a16:creationId xmlns:a16="http://schemas.microsoft.com/office/drawing/2014/main" id="{6321BABD-98A4-4C81-896B-674D1A8BEE76}"/>
+              </a:ext>
+            </a:extLst>
+          </p:cNvPr>
+          <p:cNvSpPr>
+            <a:spLocks noGrp="1"/>
+          </p:cNvSpPr>
+          <p:nvPr>
+            <p:ph type="sldNum" sz="quarter" idx="4"/>
+          </p:nvPr>
+        </p:nvSpPr>
+        <p:spPr/>
+        <p:txBody>
+          <a:bodyPr/>
+          <a:lstStyle/>
+          <a:p>
+            <a:fld id="{804AB9DF-E7AE-468D-8B4C-48ED25F9C89B}" type="slidenum">
+              <a:rPr lang="ru-RU" smtClean="0"/>
+              <a:t>19</a:t>
+            </a:fld>
+            <a:endParaRPr lang="ru-RU"/>
+          </a:p>
+        </p:txBody>
+      </p:sp>
+      <p:sp>
+        <p:nvSpPr>
+          <p:cNvPr id="7" name="Rectangle 5">
+            <a:extLst>
+              <a:ext uri="{FF2B5EF4-FFF2-40B4-BE49-F238E27FC236}">
+                <a16:creationId xmlns:a16="http://schemas.microsoft.com/office/drawing/2014/main" id="{D2A77D05-B381-4811-9D20-C1146A5CD2CF}"/>
+              </a:ext>
+            </a:extLst>
+          </p:cNvPr>
+          <p:cNvSpPr/>
+          <p:nvPr/>
+        </p:nvSpPr>
+        <p:spPr>
+          <a:xfrm>
+            <a:off x="454265" y="1052736"/>
+            <a:ext cx="4608512" cy="3477875"/>
+          </a:xfrm>
+          <a:prstGeom prst="rect">
+            <a:avLst/>
+          </a:prstGeom>
+        </p:spPr>
+        <p:txBody>
+          <a:bodyPr wrap="square">
+            <a:spAutoFit/>
+          </a:bodyPr>
+          <a:lstStyle/>
+          <a:p>
+            <a:r>
+              <a:rPr lang="ru-RU" sz="2000" dirty="0"/>
+              <a:t>Теперь вы можете менять код в своей ветке, прямо в браузере.</a:t>
+            </a:r>
+          </a:p>
+          <a:p>
+            <a:r>
+              <a:rPr lang="ru-RU" sz="2000" dirty="0"/>
+              <a:t>Кликните на файле, а затем на кнопке «</a:t>
+            </a:r>
+            <a:r>
+              <a:rPr lang="en-US" sz="2000" dirty="0"/>
+              <a:t>Edit</a:t>
+            </a:r>
+            <a:r>
+              <a:rPr lang="ru-RU" sz="2000" dirty="0"/>
+              <a:t>»</a:t>
+            </a:r>
+            <a:endParaRPr lang="en-US" sz="2000" dirty="0"/>
+          </a:p>
+          <a:p>
+            <a:endParaRPr lang="en-US" sz="2000" dirty="0"/>
+          </a:p>
+          <a:p>
+            <a:r>
+              <a:rPr lang="ru-RU" sz="2000" dirty="0"/>
+              <a:t>Исправьте код или тест (на ваше усмотрение) </a:t>
+            </a:r>
+            <a:r>
+              <a:rPr lang="ru-RU" sz="2000" dirty="0" err="1"/>
+              <a:t>Закомитьте</a:t>
+            </a:r>
+            <a:r>
+              <a:rPr lang="ru-RU" sz="2000" dirty="0"/>
+              <a:t> изменение.</a:t>
+            </a:r>
+          </a:p>
+          <a:p>
+            <a:endParaRPr lang="ru-RU" sz="2000" dirty="0"/>
+          </a:p>
+          <a:p>
+            <a:r>
+              <a:rPr lang="ru-RU" sz="2000" dirty="0"/>
+              <a:t>Перейдите в «</a:t>
+            </a:r>
+            <a:r>
+              <a:rPr lang="en-US" sz="2000" dirty="0"/>
+              <a:t>CI/CD</a:t>
+            </a:r>
+            <a:r>
+              <a:rPr lang="ru-RU" sz="2000" dirty="0"/>
+              <a:t>»</a:t>
+            </a:r>
+            <a:r>
+              <a:rPr lang="en-US" sz="2000" dirty="0"/>
+              <a:t> </a:t>
+            </a:r>
+            <a:r>
+              <a:rPr lang="ru-RU" sz="2000" dirty="0"/>
+              <a:t>во вкладку «</a:t>
+            </a:r>
+            <a:r>
+              <a:rPr lang="en-US" sz="2000" dirty="0"/>
+              <a:t>Pipelines</a:t>
+            </a:r>
+            <a:r>
+              <a:rPr lang="ru-RU" sz="2000" dirty="0"/>
+              <a:t>»</a:t>
+            </a:r>
+            <a:r>
+              <a:rPr lang="en-US" sz="2000" dirty="0"/>
+              <a:t> </a:t>
+            </a:r>
+            <a:r>
+              <a:rPr lang="ru-RU" sz="2000" dirty="0"/>
+              <a:t>Убедитесь, что тесты прошли успешно.</a:t>
+            </a:r>
+          </a:p>
+        </p:txBody>
+      </p:sp>
+      <p:pic>
+        <p:nvPicPr>
+          <p:cNvPr id="2" name="Picture 1">
+            <a:extLst>
+              <a:ext uri="{FF2B5EF4-FFF2-40B4-BE49-F238E27FC236}">
+                <a16:creationId xmlns:a16="http://schemas.microsoft.com/office/drawing/2014/main" id="{C86FEAAD-53AB-4375-8A87-1B9022BC238D}"/>
+              </a:ext>
+            </a:extLst>
+          </p:cNvPr>
+          <p:cNvPicPr>
+            <a:picLocks noChangeAspect="1"/>
+          </p:cNvPicPr>
+          <p:nvPr/>
+        </p:nvPicPr>
+        <p:blipFill>
+          <a:blip r:embed="rId3"/>
+          <a:stretch>
+            <a:fillRect/>
+          </a:stretch>
+        </p:blipFill>
+        <p:spPr>
+          <a:xfrm>
+            <a:off x="5591944" y="136524"/>
+            <a:ext cx="5850813" cy="4548632"/>
+          </a:xfrm>
+          <a:prstGeom prst="rect">
+            <a:avLst/>
+          </a:prstGeom>
+        </p:spPr>
+      </p:pic>
+    </p:spTree>
+    <p:extLst>
+      <p:ext uri="{BB962C8B-B14F-4D97-AF65-F5344CB8AC3E}">
+        <p14:creationId xmlns:p14="http://schemas.microsoft.com/office/powerpoint/2010/main" val="1025062026"/>
       </p:ext>
     </p:extLst>
   </p:cSld>
@@ -6576,7 +8279,7 @@
         <p:spPr>
           <a:xfrm>
             <a:off x="627483" y="988915"/>
-            <a:ext cx="6836669" cy="3477875"/>
+            <a:ext cx="6836669" cy="2862322"/>
           </a:xfrm>
           <a:prstGeom prst="rect">
             <a:avLst/>
@@ -6640,15 +8343,19 @@
                   <a:srgbClr val="911010"/>
                 </a:solidFill>
               </a:rPr>
-              <a:t>З</a:t>
-            </a:r>
-            <a:r>
-              <a:rPr lang="ru-RU" sz="2000" dirty="0"/>
-              <a:t>апросить доступ к проекту </a:t>
+              <a:t>П</a:t>
+            </a:r>
+            <a:r>
+              <a:rPr lang="ru-RU" sz="2000" dirty="0"/>
+              <a:t>осмотреть на проект </a:t>
             </a:r>
             <a:r>
               <a:rPr lang="en-US" sz="2000" dirty="0"/>
-              <a:t>Application</a:t>
+              <a:t>discussion-board-</a:t>
+            </a:r>
+            <a:r>
+              <a:rPr lang="en-US" sz="2000" dirty="0" err="1"/>
+              <a:t>api</a:t>
             </a:r>
             <a:r>
               <a:rPr lang="ru-RU" sz="2000" dirty="0"/>
@@ -6796,23 +8503,6 @@
             <a:r>
               <a:rPr lang="ru-RU" sz="2000" dirty="0"/>
               <a:t>писать процесс.</a:t>
-            </a:r>
-          </a:p>
-          <a:p>
-            <a:endParaRPr lang="ru-RU" sz="2000" dirty="0"/>
-          </a:p>
-          <a:p>
-            <a:r>
-              <a:rPr lang="ru-RU" sz="2000" dirty="0">
-                <a:solidFill>
-                  <a:srgbClr val="911010"/>
-                </a:solidFill>
-              </a:rPr>
-              <a:t>П</a:t>
-            </a:r>
-            <a:r>
-              <a:rPr lang="ru-RU" sz="2000" dirty="0"/>
-              <a:t>одробные инструкции по адресу:</a:t>
             </a:r>
           </a:p>
         </p:txBody>
@@ -6868,6 +8558,224 @@
     <p:extLst>
       <p:ext uri="{BB962C8B-B14F-4D97-AF65-F5344CB8AC3E}">
         <p14:creationId xmlns:p14="http://schemas.microsoft.com/office/powerpoint/2010/main" val="777441891"/>
+      </p:ext>
+    </p:extLst>
+  </p:cSld>
+  <p:clrMapOvr>
+    <a:masterClrMapping/>
+  </p:clrMapOvr>
+</p:sld>
+</file>
+
+<file path=ppt/slides/slide20.xml><?xml version="1.0" encoding="utf-8"?>
+<p:sld xmlns:a="http://schemas.openxmlformats.org/drawingml/2006/main" xmlns:r="http://schemas.openxmlformats.org/officeDocument/2006/relationships" xmlns:p="http://schemas.openxmlformats.org/presentationml/2006/main">
+  <p:cSld>
+    <p:spTree>
+      <p:nvGrpSpPr>
+        <p:cNvPr id="1" name=""/>
+        <p:cNvGrpSpPr/>
+        <p:nvPr/>
+      </p:nvGrpSpPr>
+      <p:grpSpPr>
+        <a:xfrm>
+          <a:off x="0" y="0"/>
+          <a:ext cx="0" cy="0"/>
+          <a:chOff x="0" y="0"/>
+          <a:chExt cx="0" cy="0"/>
+        </a:xfrm>
+      </p:grpSpPr>
+      <p:sp>
+        <p:nvSpPr>
+          <p:cNvPr id="22530" name="Заголовок 1"/>
+          <p:cNvSpPr>
+            <a:spLocks noGrp="1"/>
+          </p:cNvSpPr>
+          <p:nvPr>
+            <p:ph type="ctrTitle" idx="4294967295"/>
+          </p:nvPr>
+        </p:nvSpPr>
+        <p:spPr>
+          <a:xfrm>
+            <a:off x="1992314" y="3170424"/>
+            <a:ext cx="8207375" cy="690624"/>
+          </a:xfrm>
+        </p:spPr>
+        <p:txBody>
+          <a:bodyPr>
+            <a:noAutofit/>
+          </a:bodyPr>
+          <a:lstStyle/>
+          <a:p>
+            <a:r>
+              <a:rPr lang="ru-RU" spc="100" dirty="0">
+                <a:solidFill>
+                  <a:srgbClr val="8A0000"/>
+                </a:solidFill>
+                <a:latin typeface="Segoe UI" panose="020B0502040204020203" pitchFamily="34" charset="0"/>
+                <a:cs typeface="Segoe UI" panose="020B0502040204020203" pitchFamily="34" charset="0"/>
+              </a:rPr>
+              <a:t>Спасибо за внимание!</a:t>
+            </a:r>
+          </a:p>
+        </p:txBody>
+      </p:sp>
+      <p:pic>
+        <p:nvPicPr>
+          <p:cNvPr id="6" name="Рисунок 5"/>
+          <p:cNvPicPr>
+            <a:picLocks noChangeAspect="1"/>
+          </p:cNvPicPr>
+          <p:nvPr/>
+        </p:nvPicPr>
+        <p:blipFill>
+          <a:blip r:embed="rId3" cstate="print">
+            <a:extLst>
+              <a:ext uri="{28A0092B-C50C-407E-A947-70E740481C1C}">
+                <a14:useLocalDpi xmlns:a14="http://schemas.microsoft.com/office/drawing/2010/main" val="0"/>
+              </a:ext>
+            </a:extLst>
+          </a:blip>
+          <a:stretch>
+            <a:fillRect/>
+          </a:stretch>
+        </p:blipFill>
+        <p:spPr>
+          <a:xfrm>
+            <a:off x="3608165" y="383233"/>
+            <a:ext cx="4526363" cy="1629491"/>
+          </a:xfrm>
+          <a:prstGeom prst="rect">
+            <a:avLst/>
+          </a:prstGeom>
+        </p:spPr>
+      </p:pic>
+      <p:sp>
+        <p:nvSpPr>
+          <p:cNvPr id="8" name="Содержимое 2">
+            <a:extLst>
+              <a:ext uri="{FF2B5EF4-FFF2-40B4-BE49-F238E27FC236}">
+                <a16:creationId xmlns:a16="http://schemas.microsoft.com/office/drawing/2014/main" id="{28EC01E1-F34C-45BF-B1CE-44ADBA7AF078}"/>
+              </a:ext>
+            </a:extLst>
+          </p:cNvPr>
+          <p:cNvSpPr>
+            <a:spLocks/>
+          </p:cNvSpPr>
+          <p:nvPr/>
+        </p:nvSpPr>
+        <p:spPr bwMode="auto">
+          <a:xfrm>
+            <a:off x="3936207" y="5517232"/>
+            <a:ext cx="4319587" cy="1008062"/>
+          </a:xfrm>
+          <a:prstGeom prst="rect">
+            <a:avLst/>
+          </a:prstGeom>
+          <a:noFill/>
+          <a:ln>
+            <a:noFill/>
+          </a:ln>
+          <a:extLst>
+            <a:ext uri="{909E8E84-426E-40DD-AFC4-6F175D3DCCD1}">
+              <a14:hiddenFill xmlns:a14="http://schemas.microsoft.com/office/drawing/2010/main">
+                <a:solidFill>
+                  <a:srgbClr val="FFFFFF"/>
+                </a:solidFill>
+              </a14:hiddenFill>
+            </a:ext>
+            <a:ext uri="{91240B29-F687-4F45-9708-019B960494DF}">
+              <a14:hiddenLine xmlns:a14="http://schemas.microsoft.com/office/drawing/2010/main" w="9525">
+                <a:solidFill>
+                  <a:srgbClr val="000000"/>
+                </a:solidFill>
+                <a:miter lim="800000"/>
+                <a:headEnd/>
+                <a:tailEnd/>
+              </a14:hiddenLine>
+            </a:ext>
+          </a:extLst>
+        </p:spPr>
+        <p:txBody>
+          <a:bodyPr/>
+          <a:lstStyle/>
+          <a:p>
+            <a:pPr marL="342900" indent="-342900" algn="ctr">
+              <a:spcBef>
+                <a:spcPts val="600"/>
+              </a:spcBef>
+            </a:pPr>
+            <a:r>
+              <a:rPr lang="en-US" sz="1600" dirty="0">
+                <a:solidFill>
+                  <a:schemeClr val="tx2"/>
+                </a:solidFill>
+                <a:latin typeface="Segoe UI Semilight" panose="020B0402040204020203" pitchFamily="34" charset="0"/>
+                <a:ea typeface="Verdana" panose="020B0604030504040204" pitchFamily="34" charset="0"/>
+                <a:cs typeface="Segoe UI Semilight" panose="020B0402040204020203" pitchFamily="34" charset="0"/>
+              </a:rPr>
+              <a:t>academy.rubius.com</a:t>
+            </a:r>
+          </a:p>
+          <a:p>
+            <a:pPr marL="342900" indent="-342900" algn="ctr">
+              <a:spcBef>
+                <a:spcPts val="600"/>
+              </a:spcBef>
+            </a:pPr>
+            <a:r>
+              <a:rPr lang="en-US" sz="1600" dirty="0">
+                <a:solidFill>
+                  <a:schemeClr val="tx2"/>
+                </a:solidFill>
+                <a:latin typeface="Segoe UI Semilight" panose="020B0402040204020203" pitchFamily="34" charset="0"/>
+                <a:ea typeface="Verdana" panose="020B0604030504040204" pitchFamily="34" charset="0"/>
+                <a:cs typeface="Segoe UI Semilight" panose="020B0402040204020203" pitchFamily="34" charset="0"/>
+              </a:rPr>
+              <a:t>konstantin.syrovatskiy@rubius.com</a:t>
+            </a:r>
+          </a:p>
+          <a:p>
+            <a:pPr marL="342900" indent="-342900" algn="ctr">
+              <a:spcBef>
+                <a:spcPts val="600"/>
+              </a:spcBef>
+            </a:pPr>
+            <a:r>
+              <a:rPr lang="ru-RU" sz="1600" dirty="0">
+                <a:latin typeface="Segoe UI Semilight" panose="020B0402040204020203" pitchFamily="34" charset="0"/>
+                <a:ea typeface="Verdana" panose="020B0604030504040204" pitchFamily="34" charset="0"/>
+                <a:cs typeface="Segoe UI Semilight" panose="020B0402040204020203" pitchFamily="34" charset="0"/>
+              </a:rPr>
+              <a:t>Константин </a:t>
+            </a:r>
+            <a:r>
+              <a:rPr lang="ru-RU" sz="1600" dirty="0" err="1">
+                <a:latin typeface="Segoe UI Semilight" panose="020B0402040204020203" pitchFamily="34" charset="0"/>
+                <a:ea typeface="Verdana" panose="020B0604030504040204" pitchFamily="34" charset="0"/>
+                <a:cs typeface="Segoe UI Semilight" panose="020B0402040204020203" pitchFamily="34" charset="0"/>
+              </a:rPr>
+              <a:t>Сыроватский</a:t>
+            </a:r>
+            <a:r>
+              <a:rPr lang="en-US" sz="1600" dirty="0">
+                <a:latin typeface="Segoe UI Semilight" panose="020B0402040204020203" pitchFamily="34" charset="0"/>
+                <a:ea typeface="Verdana" panose="020B0604030504040204" pitchFamily="34" charset="0"/>
+                <a:cs typeface="Segoe UI Semilight" panose="020B0402040204020203" pitchFamily="34" charset="0"/>
+              </a:rPr>
+              <a:t> </a:t>
+            </a:r>
+            <a:endParaRPr lang="ru-RU" sz="1600" dirty="0">
+              <a:latin typeface="Segoe UI Semilight" panose="020B0402040204020203" pitchFamily="34" charset="0"/>
+              <a:ea typeface="Verdana" panose="020B0604030504040204" pitchFamily="34" charset="0"/>
+              <a:cs typeface="Segoe UI Semilight" panose="020B0402040204020203" pitchFamily="34" charset="0"/>
+            </a:endParaRPr>
+          </a:p>
+        </p:txBody>
+      </p:sp>
+    </p:spTree>
+    <p:extLst>
+      <p:ext uri="{BB962C8B-B14F-4D97-AF65-F5344CB8AC3E}">
+        <p14:creationId xmlns:p14="http://schemas.microsoft.com/office/powerpoint/2010/main" val="1085705960"/>
       </p:ext>
     </p:extLst>
   </p:cSld>
@@ -7555,7 +9463,7 @@
         <p:spPr>
           <a:xfrm>
             <a:off x="403277" y="4395142"/>
-            <a:ext cx="5700343" cy="1938992"/>
+            <a:ext cx="5700343" cy="1323439"/>
           </a:xfrm>
           <a:prstGeom prst="rect">
             <a:avLst/>
@@ -7636,7 +9544,7 @@
             </a:r>
             <a:r>
               <a:rPr lang="ru-RU" sz="2000" dirty="0"/>
-              <a:t>ам интересен проект </a:t>
+              <a:t>ам интересен группа </a:t>
             </a:r>
             <a:r>
               <a:rPr lang="en-US" sz="2000" dirty="0"/>
@@ -7658,46 +9566,15 @@
                   <a:srgbClr val="911010"/>
                 </a:solidFill>
               </a:rPr>
-              <a:t>И</a:t>
-            </a:r>
-            <a:r>
-              <a:rPr lang="ru-RU" sz="2000" dirty="0"/>
-              <a:t> любой из двух проектов:</a:t>
-            </a:r>
-          </a:p>
-          <a:p>
-            <a:pPr marL="914400" lvl="1" indent="-457200">
-              <a:buAutoNum type="arabicPeriod"/>
-            </a:pPr>
-            <a:r>
-              <a:rPr lang="en-US" sz="2000" dirty="0">
-                <a:solidFill>
-                  <a:srgbClr val="911010"/>
-                </a:solidFill>
-              </a:rPr>
-              <a:t>d</a:t>
+              <a:t>И </a:t>
+            </a:r>
+            <a:r>
+              <a:rPr lang="ru-RU" sz="2000" dirty="0"/>
+              <a:t>проект </a:t>
             </a:r>
             <a:r>
               <a:rPr lang="en-US" sz="2000" dirty="0"/>
-              <a:t>iscussion-board-frontend</a:t>
-            </a:r>
-            <a:endParaRPr lang="ru-RU" sz="2000" dirty="0"/>
-          </a:p>
-          <a:p>
-            <a:pPr marL="914400" lvl="1" indent="-457200">
-              <a:buAutoNum type="arabicPeriod"/>
-            </a:pPr>
-            <a:r>
-              <a:rPr lang="en-US" sz="2000" dirty="0">
-                <a:solidFill>
-                  <a:srgbClr val="911010"/>
-                </a:solidFill>
-              </a:rPr>
-              <a:t>d</a:t>
-            </a:r>
-            <a:r>
-              <a:rPr lang="en-US" sz="2000" dirty="0"/>
-              <a:t>iscussion-board-</a:t>
+              <a:t>discussion-board-</a:t>
             </a:r>
             <a:r>
               <a:rPr lang="en-US" sz="2000" dirty="0" err="1"/>
@@ -7781,7 +9658,7 @@
         <p:spPr>
           <a:xfrm>
             <a:off x="479377" y="1052736"/>
-            <a:ext cx="4608512" cy="3477875"/>
+            <a:ext cx="4608512" cy="3785652"/>
           </a:xfrm>
           <a:prstGeom prst="rect">
             <a:avLst/>
@@ -7815,8 +9692,16 @@
               <a:buAutoNum type="arabicPeriod"/>
             </a:pPr>
             <a:r>
-              <a:rPr lang="ru-RU" sz="2000" dirty="0"/>
-              <a:t>«Репозиторий».</a:t>
+              <a:rPr lang="ru-RU" sz="2000" dirty="0">
+                <a:solidFill>
+                  <a:srgbClr val="911010"/>
+                </a:solidFill>
+              </a:rPr>
+              <a:t>«</a:t>
+            </a:r>
+            <a:r>
+              <a:rPr lang="ru-RU" sz="2000" dirty="0"/>
+              <a:t>Репозиторий».</a:t>
             </a:r>
           </a:p>
           <a:p>
@@ -7824,7 +9709,11 @@
               <a:buAutoNum type="arabicPeriod"/>
             </a:pPr>
             <a:r>
-              <a:rPr lang="ru-RU" sz="2000" dirty="0"/>
+              <a:rPr lang="ru-RU" sz="2000" dirty="0">
+                <a:solidFill>
+                  <a:srgbClr val="911010"/>
+                </a:solidFill>
+              </a:rPr>
               <a:t>«</a:t>
             </a:r>
             <a:r>
@@ -7842,7 +9731,11 @@
               <a:buAutoNum type="arabicPeriod"/>
             </a:pPr>
             <a:r>
-              <a:rPr lang="ru-RU" sz="2000" dirty="0"/>
+              <a:rPr lang="ru-RU" sz="2000" dirty="0">
+                <a:solidFill>
+                  <a:srgbClr val="911010"/>
+                </a:solidFill>
+              </a:rPr>
               <a:t>«</a:t>
             </a:r>
             <a:r>
@@ -7860,8 +9753,16 @@
           </a:p>
           <a:p>
             <a:r>
-              <a:rPr lang="ru-RU" sz="2000" dirty="0"/>
-              <a:t>Обычно, на главной странице проекта можно увидеть его описание, файлы репозитория, и некоторую информацию по статистике.</a:t>
+              <a:rPr lang="ru-RU" sz="2000" dirty="0">
+                <a:solidFill>
+                  <a:srgbClr val="911010"/>
+                </a:solidFill>
+              </a:rPr>
+              <a:t>О</a:t>
+            </a:r>
+            <a:r>
+              <a:rPr lang="ru-RU" sz="2000" dirty="0"/>
+              <a:t>бычно, на главной странице проекта можно увидеть его описание, файлы репозитория, и некоторую информацию по статистике репозитория, коммиты, ветки, размер репозитория.</a:t>
             </a:r>
           </a:p>
           <a:p>
@@ -7869,8 +9770,16 @@
           </a:p>
           <a:p>
             <a:r>
-              <a:rPr lang="ru-RU" sz="2000" dirty="0"/>
-              <a:t>Перейдём вкладку «</a:t>
+              <a:rPr lang="ru-RU" sz="2000" dirty="0">
+                <a:solidFill>
+                  <a:srgbClr val="911010"/>
+                </a:solidFill>
+              </a:rPr>
+              <a:t>П</a:t>
+            </a:r>
+            <a:r>
+              <a:rPr lang="ru-RU" sz="2000" dirty="0"/>
+              <a:t>ерейдём вкладку «</a:t>
             </a:r>
             <a:r>
               <a:rPr lang="en-US" sz="2000" dirty="0"/>
@@ -7987,7 +9896,7 @@
         <p:spPr>
           <a:xfrm>
             <a:off x="479377" y="1052736"/>
-            <a:ext cx="4608512" cy="1323439"/>
+            <a:ext cx="4608512" cy="4708981"/>
           </a:xfrm>
           <a:prstGeom prst="rect">
             <a:avLst/>
@@ -8009,17 +9918,108 @@
             </a:r>
             <a:r>
               <a:rPr lang="ru-RU" sz="2000" dirty="0"/>
-              <a:t>ак видите, некоторые из сборок провалены. Вы можете видеть этапы сборки и на каком этапе сборка была провалена.</a:t>
-            </a:r>
+              <a:t>ак видите, Последние несколько сборок провалены. </a:t>
+            </a:r>
+            <a:endParaRPr lang="en-US" sz="2000" dirty="0"/>
+          </a:p>
+          <a:p>
+            <a:r>
+              <a:rPr lang="ru-RU" sz="2000" dirty="0"/>
+              <a:t>Если посмотреть на сборки внимательно, но видно, что все они находятся в одной ветке «</a:t>
+            </a:r>
+            <a:r>
+              <a:rPr lang="en-US" sz="2000" dirty="0" err="1"/>
+              <a:t>qafeature</a:t>
+            </a:r>
+            <a:r>
+              <a:rPr lang="ru-RU" sz="2000" dirty="0"/>
+              <a:t>».</a:t>
+            </a:r>
+          </a:p>
+          <a:p>
+            <a:r>
+              <a:rPr lang="ru-RU" sz="2000" dirty="0"/>
+              <a:t>Для ветки «</a:t>
+            </a:r>
+            <a:r>
+              <a:rPr lang="en-US" sz="2000" dirty="0"/>
+              <a:t>master</a:t>
+            </a:r>
+            <a:r>
+              <a:rPr lang="ru-RU" sz="2000" dirty="0"/>
+              <a:t>»</a:t>
+            </a:r>
+            <a:r>
+              <a:rPr lang="en-US" sz="2000" dirty="0"/>
+              <a:t> </a:t>
+            </a:r>
+            <a:r>
+              <a:rPr lang="ru-RU" sz="2000" dirty="0"/>
+              <a:t>сборка проходит успешно, значит проблемы только в новой ветке.</a:t>
+            </a:r>
+          </a:p>
+          <a:p>
+            <a:endParaRPr lang="ru-RU" sz="2000" dirty="0"/>
+          </a:p>
+          <a:p>
+            <a:r>
+              <a:rPr lang="ru-RU" sz="2000" dirty="0"/>
+              <a:t>И все ветке провалены на последнем этапе (</a:t>
+            </a:r>
+            <a:r>
+              <a:rPr lang="en-US" sz="2000" dirty="0"/>
+              <a:t>stage</a:t>
+            </a:r>
+            <a:r>
+              <a:rPr lang="ru-RU" sz="2000" dirty="0"/>
+              <a:t>)</a:t>
+            </a:r>
+            <a:r>
+              <a:rPr lang="en-US" sz="2000" dirty="0"/>
+              <a:t> </a:t>
+            </a:r>
+            <a:r>
+              <a:rPr lang="ru-RU" sz="2000" dirty="0"/>
+              <a:t>«</a:t>
+            </a:r>
+            <a:r>
+              <a:rPr lang="en-US" sz="2000" dirty="0"/>
+              <a:t>test</a:t>
+            </a:r>
+            <a:r>
+              <a:rPr lang="ru-RU" sz="2000" dirty="0"/>
+              <a:t>»</a:t>
+            </a:r>
+            <a:endParaRPr lang="en-US" sz="2000" dirty="0"/>
+          </a:p>
+          <a:p>
+            <a:endParaRPr lang="en-US" sz="2000" dirty="0"/>
+          </a:p>
+          <a:p>
+            <a:r>
+              <a:rPr lang="ru-RU" sz="2000" dirty="0"/>
+              <a:t>Найдём первую проваленную сборку. (сборка </a:t>
+            </a:r>
+            <a:r>
+              <a:rPr lang="en-US" sz="2000" dirty="0"/>
+              <a:t>#</a:t>
+            </a:r>
+            <a:r>
+              <a:rPr lang="ru-RU" sz="2000" dirty="0"/>
+              <a:t>143)</a:t>
+            </a:r>
+          </a:p>
+          <a:p>
+            <a:endParaRPr lang="ru-RU" sz="2000" dirty="0"/>
           </a:p>
         </p:txBody>
       </p:sp>
       <p:pic>
         <p:nvPicPr>
-          <p:cNvPr id="4" name="Picture 3">
+          <p:cNvPr id="5" name="Picture 4">
             <a:extLst>
               <a:ext uri="{FF2B5EF4-FFF2-40B4-BE49-F238E27FC236}">
-                <a16:creationId xmlns:a16="http://schemas.microsoft.com/office/drawing/2014/main" id="{5F16690E-3AE1-4E0E-841F-4150D25B6150}"/>
+                <a16:creationId xmlns:a16="http://schemas.microsoft.com/office/drawing/2014/main" id="{A29736D2-3FE0-4848-9E47-48125DD5E0DB}"/>
               </a:ext>
             </a:extLst>
           </p:cNvPr>
@@ -8036,8 +10036,8 @@
         </p:blipFill>
         <p:spPr>
           <a:xfrm>
-            <a:off x="5460826" y="404664"/>
-            <a:ext cx="6251797" cy="5268652"/>
+            <a:off x="4943872" y="684614"/>
+            <a:ext cx="7004081" cy="5445224"/>
           </a:xfrm>
           <a:prstGeom prst="rect">
             <a:avLst/>
@@ -8118,7 +10118,7 @@
         <p:spPr>
           <a:xfrm>
             <a:off x="479377" y="1052736"/>
-            <a:ext cx="4608512" cy="2554545"/>
+            <a:ext cx="4608512" cy="1938992"/>
           </a:xfrm>
           <a:prstGeom prst="rect">
             <a:avLst/>
@@ -8136,135 +10136,35 @@
                   <a:srgbClr val="911010"/>
                 </a:solidFill>
               </a:rPr>
-              <a:t>Найдём сборку для ветки (</a:t>
-            </a:r>
-            <a:r>
-              <a:rPr lang="en-US" sz="2000" dirty="0">
-                <a:solidFill>
-                  <a:srgbClr val="911010"/>
-                </a:solidFill>
-              </a:rPr>
-              <a:t>branch</a:t>
-            </a:r>
-            <a:r>
-              <a:rPr lang="ru-RU" sz="2000" dirty="0">
-                <a:solidFill>
-                  <a:srgbClr val="911010"/>
-                </a:solidFill>
-              </a:rPr>
-              <a:t>)</a:t>
-            </a:r>
-            <a:r>
-              <a:rPr lang="en-US" sz="2000" dirty="0">
-                <a:solidFill>
-                  <a:srgbClr val="911010"/>
-                </a:solidFill>
-              </a:rPr>
-              <a:t> </a:t>
-            </a:r>
-            <a:r>
-              <a:rPr lang="ru-RU" sz="2000" dirty="0">
-                <a:solidFill>
-                  <a:srgbClr val="911010"/>
-                </a:solidFill>
-              </a:rPr>
-              <a:t> </a:t>
-            </a:r>
-            <a:r>
-              <a:rPr lang="en-US" sz="2000" dirty="0">
-                <a:solidFill>
-                  <a:srgbClr val="911010"/>
-                </a:solidFill>
-              </a:rPr>
-              <a:t>feature.</a:t>
-            </a:r>
-          </a:p>
-          <a:p>
-            <a:r>
-              <a:rPr lang="ru-RU" sz="2000" dirty="0">
-                <a:solidFill>
-                  <a:srgbClr val="911010"/>
-                </a:solidFill>
-              </a:rPr>
-              <a:t>Как видите последняя сборка (</a:t>
-            </a:r>
-            <a:r>
-              <a:rPr lang="ru-RU" sz="2000" dirty="0" err="1">
-                <a:solidFill>
-                  <a:srgbClr val="911010"/>
-                </a:solidFill>
-              </a:rPr>
-              <a:t>билд</a:t>
-            </a:r>
-            <a:r>
-              <a:rPr lang="ru-RU" sz="2000" dirty="0">
-                <a:solidFill>
-                  <a:srgbClr val="911010"/>
-                </a:solidFill>
-              </a:rPr>
-              <a:t>) в этой ветке провалена. </a:t>
-            </a:r>
-          </a:p>
-          <a:p>
-            <a:r>
-              <a:rPr lang="ru-RU" sz="2000" dirty="0">
-                <a:solidFill>
-                  <a:srgbClr val="911010"/>
-                </a:solidFill>
-              </a:rPr>
-              <a:t>И провалена на этапе </a:t>
-            </a:r>
-            <a:r>
-              <a:rPr lang="en-US" sz="2000" dirty="0">
-                <a:solidFill>
-                  <a:srgbClr val="911010"/>
-                </a:solidFill>
-              </a:rPr>
-              <a:t>“Testing”</a:t>
-            </a:r>
-            <a:r>
-              <a:rPr lang="ru-RU" sz="2000" dirty="0">
-                <a:solidFill>
-                  <a:srgbClr val="911010"/>
-                </a:solidFill>
-              </a:rPr>
-              <a:t>.</a:t>
-            </a:r>
-            <a:r>
-              <a:rPr lang="en-US" sz="2000" dirty="0">
-                <a:solidFill>
-                  <a:srgbClr val="911010"/>
-                </a:solidFill>
-              </a:rPr>
-              <a:t> </a:t>
-            </a:r>
-            <a:r>
-              <a:rPr lang="ru-RU" sz="2000" dirty="0">
-                <a:solidFill>
-                  <a:srgbClr val="911010"/>
-                </a:solidFill>
-              </a:rPr>
-              <a:t> Посмотрим на результаты тестов.</a:t>
-            </a:r>
-          </a:p>
-          <a:p>
-            <a:r>
-              <a:rPr lang="ru-RU" sz="2000" dirty="0">
-                <a:solidFill>
-                  <a:srgbClr val="911010"/>
-                </a:solidFill>
-              </a:rPr>
-              <a:t>Какой тест не пройден? С какой ошибкой завершён?</a:t>
-            </a:r>
+              <a:t>П</a:t>
+            </a:r>
+            <a:r>
+              <a:rPr lang="ru-RU" sz="2000" dirty="0"/>
+              <a:t>редыдущая сборка в этой ветке (сборка </a:t>
+            </a:r>
+            <a:r>
+              <a:rPr lang="en-US" sz="2000" dirty="0"/>
+              <a:t>#142</a:t>
+            </a:r>
+            <a:r>
+              <a:rPr lang="ru-RU" sz="2000" dirty="0"/>
+              <a:t>) прошла успешно, значит код который не работает – не проходит тесты, мы найдём в данной сборке.</a:t>
+            </a:r>
+          </a:p>
+          <a:p>
+            <a:endParaRPr lang="ru-RU" sz="2000" dirty="0"/>
+          </a:p>
+          <a:p>
+            <a:endParaRPr lang="ru-RU" sz="2000" dirty="0"/>
           </a:p>
         </p:txBody>
       </p:sp>
       <p:pic>
         <p:nvPicPr>
-          <p:cNvPr id="4" name="Picture 3">
+          <p:cNvPr id="5" name="Picture 4">
             <a:extLst>
               <a:ext uri="{FF2B5EF4-FFF2-40B4-BE49-F238E27FC236}">
-                <a16:creationId xmlns:a16="http://schemas.microsoft.com/office/drawing/2014/main" id="{5F16690E-3AE1-4E0E-841F-4150D25B6150}"/>
+                <a16:creationId xmlns:a16="http://schemas.microsoft.com/office/drawing/2014/main" id="{A29736D2-3FE0-4848-9E47-48125DD5E0DB}"/>
               </a:ext>
             </a:extLst>
           </p:cNvPr>
@@ -8281,8 +10181,8 @@
         </p:blipFill>
         <p:spPr>
           <a:xfrm>
-            <a:off x="5460826" y="404664"/>
-            <a:ext cx="6251797" cy="5268652"/>
+            <a:off x="4943872" y="684614"/>
+            <a:ext cx="7004081" cy="5445224"/>
           </a:xfrm>
           <a:prstGeom prst="rect">
             <a:avLst/>
@@ -8292,7 +10192,7 @@
     </p:spTree>
     <p:extLst>
       <p:ext uri="{BB962C8B-B14F-4D97-AF65-F5344CB8AC3E}">
-        <p14:creationId xmlns:p14="http://schemas.microsoft.com/office/powerpoint/2010/main" val="3623435512"/>
+        <p14:creationId xmlns:p14="http://schemas.microsoft.com/office/powerpoint/2010/main" val="644405820"/>
       </p:ext>
     </p:extLst>
   </p:cSld>
@@ -8363,7 +10263,7 @@
         <p:spPr>
           <a:xfrm>
             <a:off x="479377" y="1052736"/>
-            <a:ext cx="4608512" cy="2862322"/>
+            <a:ext cx="4608512" cy="1323439"/>
           </a:xfrm>
           <a:prstGeom prst="rect">
             <a:avLst/>
@@ -8381,138 +10281,24 @@
                   <a:srgbClr val="911010"/>
                 </a:solidFill>
               </a:rPr>
-              <a:t>Создадим </a:t>
-            </a:r>
-            <a:r>
-              <a:rPr lang="en-US" sz="2000" dirty="0">
-                <a:solidFill>
-                  <a:srgbClr val="911010"/>
-                </a:solidFill>
-              </a:rPr>
-              <a:t>bug</a:t>
-            </a:r>
-            <a:r>
-              <a:rPr lang="ru-RU" sz="2000" dirty="0">
-                <a:solidFill>
-                  <a:srgbClr val="911010"/>
-                </a:solidFill>
-              </a:rPr>
-              <a:t> </a:t>
-            </a:r>
-            <a:r>
-              <a:rPr lang="en-US" sz="2000" dirty="0">
-                <a:solidFill>
-                  <a:srgbClr val="911010"/>
-                </a:solidFill>
-              </a:rPr>
-              <a:t>report</a:t>
-            </a:r>
-            <a:endParaRPr lang="ru-RU" sz="2000" dirty="0">
-              <a:solidFill>
-                <a:srgbClr val="911010"/>
-              </a:solidFill>
-            </a:endParaRPr>
-          </a:p>
-          <a:p>
-            <a:r>
-              <a:rPr lang="ru-RU" sz="2000" dirty="0">
-                <a:solidFill>
-                  <a:srgbClr val="911010"/>
-                </a:solidFill>
-              </a:rPr>
-              <a:t>И будем вносить в него данные.</a:t>
-            </a:r>
-            <a:br>
-              <a:rPr lang="ru-RU" sz="2000" dirty="0">
-                <a:solidFill>
-                  <a:srgbClr val="911010"/>
-                </a:solidFill>
-              </a:rPr>
-            </a:br>
-            <a:r>
-              <a:rPr lang="ru-RU" sz="2000" dirty="0">
-                <a:solidFill>
-                  <a:srgbClr val="911010"/>
-                </a:solidFill>
-              </a:rPr>
-              <a:t>Это </a:t>
-            </a:r>
-            <a:r>
-              <a:rPr lang="en-US" sz="2000" dirty="0">
-                <a:solidFill>
-                  <a:srgbClr val="911010"/>
-                </a:solidFill>
-              </a:rPr>
-              <a:t>bug</a:t>
-            </a:r>
-            <a:r>
-              <a:rPr lang="ru-RU" sz="2000" dirty="0">
-                <a:solidFill>
-                  <a:srgbClr val="911010"/>
-                </a:solidFill>
-              </a:rPr>
-              <a:t> </a:t>
-            </a:r>
-            <a:r>
-              <a:rPr lang="en-US" sz="2000" dirty="0">
-                <a:solidFill>
-                  <a:srgbClr val="911010"/>
-                </a:solidFill>
-              </a:rPr>
-              <a:t>report</a:t>
-            </a:r>
-            <a:r>
-              <a:rPr lang="ru-RU" sz="2000" dirty="0">
-                <a:solidFill>
-                  <a:srgbClr val="911010"/>
-                </a:solidFill>
-              </a:rPr>
-              <a:t> и будет домашним заданием. (оставите его открытым в отдельной вкладке)</a:t>
-            </a:r>
-          </a:p>
-          <a:p>
-            <a:r>
-              <a:rPr lang="ru-RU" sz="2000" dirty="0">
-                <a:solidFill>
-                  <a:srgbClr val="911010"/>
-                </a:solidFill>
-              </a:rPr>
-              <a:t>Оставьте шаблон без изменений.</a:t>
-            </a:r>
-            <a:br>
-              <a:rPr lang="ru-RU" sz="2000" dirty="0">
-                <a:solidFill>
-                  <a:srgbClr val="911010"/>
-                </a:solidFill>
-              </a:rPr>
-            </a:br>
-            <a:r>
-              <a:rPr lang="ru-RU" sz="2000" dirty="0">
-                <a:solidFill>
-                  <a:srgbClr val="911010"/>
-                </a:solidFill>
-              </a:rPr>
-              <a:t>Внесите информацию какой тест провален.</a:t>
-            </a:r>
-          </a:p>
-          <a:p>
-            <a:r>
-              <a:rPr lang="ru-RU" sz="2000" dirty="0">
-                <a:solidFill>
-                  <a:srgbClr val="911010"/>
-                </a:solidFill>
-              </a:rPr>
-              <a:t>И добавьте вывод теста.</a:t>
-            </a:r>
+              <a:t>П</a:t>
+            </a:r>
+            <a:r>
+              <a:rPr lang="ru-RU" sz="2000" dirty="0"/>
+              <a:t>осмотрим, что пошло не так в этой сборке. Откроем провалившейся этап и посмотрим вывод текста.</a:t>
+            </a:r>
+          </a:p>
+          <a:p>
+            <a:endParaRPr lang="ru-RU" sz="2000" dirty="0"/>
           </a:p>
         </p:txBody>
       </p:sp>
       <p:pic>
         <p:nvPicPr>
-          <p:cNvPr id="4" name="Picture 3">
+          <p:cNvPr id="2" name="Picture 1">
             <a:extLst>
               <a:ext uri="{FF2B5EF4-FFF2-40B4-BE49-F238E27FC236}">
-                <a16:creationId xmlns:a16="http://schemas.microsoft.com/office/drawing/2014/main" id="{5F16690E-3AE1-4E0E-841F-4150D25B6150}"/>
+                <a16:creationId xmlns:a16="http://schemas.microsoft.com/office/drawing/2014/main" id="{67E52971-E4E5-4FF3-9270-D74EB2CAB96A}"/>
               </a:ext>
             </a:extLst>
           </p:cNvPr>
@@ -8529,8 +10315,8 @@
         </p:blipFill>
         <p:spPr>
           <a:xfrm>
-            <a:off x="5460826" y="404664"/>
-            <a:ext cx="6251797" cy="5268652"/>
+            <a:off x="5087889" y="913805"/>
+            <a:ext cx="6761437" cy="5256584"/>
           </a:xfrm>
           <a:prstGeom prst="rect">
             <a:avLst/>
@@ -8540,7 +10326,7 @@
     </p:spTree>
     <p:extLst>
       <p:ext uri="{BB962C8B-B14F-4D97-AF65-F5344CB8AC3E}">
-        <p14:creationId xmlns:p14="http://schemas.microsoft.com/office/powerpoint/2010/main" val="2589377669"/>
+        <p14:creationId xmlns:p14="http://schemas.microsoft.com/office/powerpoint/2010/main" val="651242740"/>
       </p:ext>
     </p:extLst>
   </p:cSld>
@@ -9557,20 +11343,20 @@
 </file>
 
 <file path=customXml/item2.xml><?xml version="1.0" encoding="utf-8"?>
+<p:properties xmlns:p="http://schemas.microsoft.com/office/2006/metadata/properties" xmlns:xsi="http://www.w3.org/2001/XMLSchema-instance" xmlns:pc="http://schemas.microsoft.com/office/infopath/2007/PartnerControls">
+  <documentManagement>
+    <IconOverlay xmlns="http://schemas.microsoft.com/sharepoint/v4" xsi:nil="true"/>
+  </documentManagement>
+</p:properties>
+</file>
+
+<file path=customXml/item3.xml><?xml version="1.0" encoding="utf-8"?>
 <?mso-contentType ?>
 <FormTemplates xmlns="http://schemas.microsoft.com/sharepoint/v3/contenttype/forms">
   <Display>DocumentLibraryForm</Display>
   <Edit>DocumentLibraryForm</Edit>
   <New>DocumentLibraryForm</New>
 </FormTemplates>
-</file>
-
-<file path=customXml/item3.xml><?xml version="1.0" encoding="utf-8"?>
-<p:properties xmlns:p="http://schemas.microsoft.com/office/2006/metadata/properties" xmlns:xsi="http://www.w3.org/2001/XMLSchema-instance" xmlns:pc="http://schemas.microsoft.com/office/infopath/2007/PartnerControls">
-  <documentManagement>
-    <IconOverlay xmlns="http://schemas.microsoft.com/sharepoint/v4" xsi:nil="true"/>
-  </documentManagement>
-</p:properties>
 </file>
 
 <file path=customXml/itemProps1.xml><?xml version="1.0" encoding="utf-8"?>
@@ -9593,26 +11379,26 @@
 </file>
 
 <file path=customXml/itemProps2.xml><?xml version="1.0" encoding="utf-8"?>
+<ds:datastoreItem xmlns:ds="http://schemas.openxmlformats.org/officeDocument/2006/customXml" ds:itemID="{6A2F26BD-ADA1-49C0-9754-11B244691855}">
+  <ds:schemaRefs>
+    <ds:schemaRef ds:uri="http://schemas.microsoft.com/office/2006/documentManagement/types"/>
+    <ds:schemaRef ds:uri="http://www.w3.org/XML/1998/namespace"/>
+    <ds:schemaRef ds:uri="http://schemas.microsoft.com/office/infopath/2007/PartnerControls"/>
+    <ds:schemaRef ds:uri="http://purl.org/dc/elements/1.1/"/>
+    <ds:schemaRef ds:uri="http://schemas.microsoft.com/office/2006/metadata/properties"/>
+    <ds:schemaRef ds:uri="http://purl.org/dc/terms/"/>
+    <ds:schemaRef ds:uri="http://schemas.microsoft.com/sharepoint/v4"/>
+    <ds:schemaRef ds:uri="http://schemas.openxmlformats.org/package/2006/metadata/core-properties"/>
+    <ds:schemaRef ds:uri="4761da96-199c-4abc-88e7-ee2ba8670048"/>
+    <ds:schemaRef ds:uri="http://purl.org/dc/dcmitype/"/>
+  </ds:schemaRefs>
+</ds:datastoreItem>
+</file>
+
+<file path=customXml/itemProps3.xml><?xml version="1.0" encoding="utf-8"?>
 <ds:datastoreItem xmlns:ds="http://schemas.openxmlformats.org/officeDocument/2006/customXml" ds:itemID="{A00A4731-6033-41B0-9BCA-97B963316050}">
   <ds:schemaRefs>
     <ds:schemaRef ds:uri="http://schemas.microsoft.com/sharepoint/v3/contenttype/forms"/>
   </ds:schemaRefs>
 </ds:datastoreItem>
-</file>
-
-<file path=customXml/itemProps3.xml><?xml version="1.0" encoding="utf-8"?>
-<ds:datastoreItem xmlns:ds="http://schemas.openxmlformats.org/officeDocument/2006/customXml" ds:itemID="{6A2F26BD-ADA1-49C0-9754-11B244691855}">
-  <ds:schemaRefs>
-    <ds:schemaRef ds:uri="http://schemas.microsoft.com/sharepoint/v4"/>
-    <ds:schemaRef ds:uri="http://schemas.openxmlformats.org/package/2006/metadata/core-properties"/>
-    <ds:schemaRef ds:uri="http://purl.org/dc/terms/"/>
-    <ds:schemaRef ds:uri="http://www.w3.org/XML/1998/namespace"/>
-    <ds:schemaRef ds:uri="http://schemas.microsoft.com/office/infopath/2007/PartnerControls"/>
-    <ds:schemaRef ds:uri="http://schemas.microsoft.com/office/2006/documentManagement/types"/>
-    <ds:schemaRef ds:uri="http://schemas.microsoft.com/office/2006/metadata/properties"/>
-    <ds:schemaRef ds:uri="http://purl.org/dc/elements/1.1/"/>
-    <ds:schemaRef ds:uri="4761da96-199c-4abc-88e7-ee2ba8670048"/>
-    <ds:schemaRef ds:uri="http://purl.org/dc/dcmitype/"/>
-  </ds:schemaRefs>
-</ds:datastoreItem>
 </file>